--- a/Documentation/Presentation.pptx
+++ b/Documentation/Presentation.pptx
@@ -12,6 +12,7 @@
     <p:sldId id="259" r:id="rId7"/>
     <p:sldId id="260" r:id="rId8"/>
     <p:sldId id="261" r:id="rId9"/>
+    <p:sldId id="262" r:id="rId10"/>
   </p:sldIdLst>
   <p:sldSz cx="10080625" cy="5670550"/>
   <p:notesSz cx="7559675" cy="10691813"/>
@@ -3728,7 +3729,7 @@
             <a:pPr algn="r">
               <a:buNone/>
             </a:pPr>
-            <a:fld id="{36791D82-BF36-4449-B675-D2B11ED87509}" type="slidenum">
+            <a:fld id="{80E5993F-57F8-4DE9-9341-C416C3815D34}" type="slidenum">
               <a:rPr b="0" lang="en-US" sz="1400" spc="-1" strike="noStrike">
                 <a:solidFill>
                   <a:srgbClr val="ffffff"/>
@@ -4265,7 +4266,7 @@
             <a:pPr algn="r">
               <a:buNone/>
             </a:pPr>
-            <a:fld id="{5E07F537-C4E2-41F2-B0B7-097F858CD36F}" type="slidenum">
+            <a:fld id="{714645AF-3C66-4E5B-B11B-E94BA0B818A6}" type="slidenum">
               <a:rPr b="0" lang="en-US" sz="1400" spc="-1" strike="noStrike">
                 <a:solidFill>
                   <a:srgbClr val="ffffff"/>
@@ -4509,7 +4510,7 @@
         </p:nvSpPr>
         <p:spPr>
           <a:xfrm>
-            <a:off x="241200" y="972000"/>
+            <a:off x="228600" y="710280"/>
             <a:ext cx="9360000" cy="3600000"/>
           </a:xfrm>
           <a:prstGeom prst="rect">
@@ -4571,9 +4572,55 @@
                 </a:solidFill>
                 <a:latin typeface="Arial"/>
               </a:rPr>
-              <a:t>https://sci-hub.se/10.1109/humanoids.2017.8246973 </a:t>
+              <a:t>https://sci-hub.se/10.1109/humanoids43949.2019.9035067</a:t>
             </a:r>
             <a:endParaRPr b="0" lang="en-US" sz="2100" spc="-1" strike="noStrike">
+              <a:solidFill>
+                <a:srgbClr val="009bdd"/>
+              </a:solidFill>
+              <a:latin typeface="Arial"/>
+            </a:endParaRPr>
+          </a:p>
+          <a:p>
+            <a:pPr lvl="2" marL="1296000" indent="-288000">
+              <a:spcBef>
+                <a:spcPts val="635"/>
+              </a:spcBef>
+              <a:buClr>
+                <a:srgbClr val="77caee"/>
+              </a:buClr>
+              <a:buSzPct val="45000"/>
+              <a:buFont typeface="Wingdings" charset="2"/>
+              <a:buChar char=""/>
+            </a:pPr>
+            <a:r>
+              <a:rPr b="0" lang="en-US" sz="1800" spc="-1" strike="noStrike">
+                <a:solidFill>
+                  <a:srgbClr val="009bdd"/>
+                </a:solidFill>
+                <a:latin typeface="Arial"/>
+              </a:rPr>
+              <a:t>Spoznamkovanie : https://github.com/NicolasOrsag/Visual-system-for-</a:t>
+            </a:r>
+            <a:r>
+              <a:rPr b="0" lang="en-US" sz="1800" spc="-1" strike="noStrike">
+                <a:solidFill>
+                  <a:srgbClr val="009bdd"/>
+                </a:solidFill>
+                <a:latin typeface="Arial"/>
+              </a:rPr>
+              <a:t>interaction-human-with-robot/blob/main/Documentation/Sources/</a:t>
+            </a:r>
+            <a:r>
+              <a:rPr b="0" lang="en-US" sz="1800" spc="-1" strike="noStrike">
+                <a:solidFill>
+                  <a:srgbClr val="009bdd"/>
+                </a:solidFill>
+                <a:latin typeface="Arial"/>
+              </a:rPr>
+              <a:t>notes_from_sources.pdf  </a:t>
+            </a:r>
+            <a:endParaRPr b="0" lang="en-US" sz="1800" spc="-1" strike="noStrike">
               <a:solidFill>
                 <a:srgbClr val="009bdd"/>
               </a:solidFill>
@@ -4599,7 +4646,7 @@
                 </a:solidFill>
                 <a:latin typeface="Arial"/>
               </a:rPr>
-              <a:t>https://sci-hub.se/10.1109/humanoids43949.2019.9035067</a:t>
+              <a:t>https://sci-hub.se/10.1109/humanoids.2017.8246973</a:t>
             </a:r>
             <a:endParaRPr b="0" lang="en-US" sz="2100" spc="-1" strike="noStrike">
               <a:solidFill>
@@ -4655,7 +4702,16 @@
                 </a:solidFill>
                 <a:latin typeface="Arial"/>
               </a:rPr>
-              <a:t>https://github.com/NicolasOrsag/Visual-system-for-interaction-human-with-robot</a:t>
+              <a:t>https://github.com/NicolasOrsag/Visual-system-for-interaction-human-</a:t>
+            </a:r>
+            <a:r>
+              <a:rPr b="0" lang="en-US" sz="2100" spc="-1" strike="noStrike">
+                <a:solidFill>
+                  <a:srgbClr val="009bdd"/>
+                </a:solidFill>
+                <a:latin typeface="Arial"/>
+              </a:rPr>
+              <a:t>with-robot</a:t>
             </a:r>
             <a:endParaRPr b="0" lang="en-US" sz="2100" spc="-1" strike="noStrike">
               <a:solidFill>
@@ -4683,35 +4739,7 @@
                 </a:solidFill>
                 <a:latin typeface="Arial"/>
               </a:rPr>
-              <a:t>Vytvorenie templatu diplomovej práce a pridania zdrojov </a:t>
-            </a:r>
-            <a:endParaRPr b="0" lang="en-US" sz="2400" spc="-1" strike="noStrike">
-              <a:solidFill>
-                <a:srgbClr val="009bdd"/>
-              </a:solidFill>
-              <a:latin typeface="Arial"/>
-            </a:endParaRPr>
-          </a:p>
-          <a:p>
-            <a:pPr marL="432000" indent="-324000">
-              <a:spcBef>
-                <a:spcPts val="1060"/>
-              </a:spcBef>
-              <a:buClr>
-                <a:srgbClr val="77caee"/>
-              </a:buClr>
-              <a:buSzPct val="45000"/>
-              <a:buFont typeface="Wingdings" charset="2"/>
-              <a:buChar char=""/>
-            </a:pPr>
-            <a:r>
-              <a:rPr b="0" lang="en-US" sz="2400" spc="-1" strike="noStrike">
-                <a:solidFill>
-                  <a:srgbClr val="009bdd"/>
-                </a:solidFill>
-                <a:latin typeface="Arial"/>
-              </a:rPr>
-              <a:t>Inštalácia všetkých potrebných programov pre spojazdnenie online detection dema</a:t>
+              <a:t>Písanie a udržovanie denníka: </a:t>
             </a:r>
             <a:endParaRPr b="0" lang="en-US" sz="2400" spc="-1" strike="noStrike">
               <a:solidFill>
@@ -4739,7 +4767,16 @@
                 </a:solidFill>
                 <a:latin typeface="Arial"/>
               </a:rPr>
-              <a:t>https://github.com/robotology/online-detection-demo</a:t>
+              <a:t>https://github.com/NicolasOrsag/Visual-system-for-interaction-human-</a:t>
+            </a:r>
+            <a:r>
+              <a:rPr b="0" lang="en-US" sz="2100" spc="-1" strike="noStrike">
+                <a:solidFill>
+                  <a:srgbClr val="009bdd"/>
+                </a:solidFill>
+                <a:latin typeface="Arial"/>
+              </a:rPr>
+              <a:t>with-robot/blob/main/Documentation/Diary.txt</a:t>
             </a:r>
             <a:endParaRPr b="0" lang="en-US" sz="2100" spc="-1" strike="noStrike">
               <a:solidFill>
@@ -4818,7 +4855,7 @@
                 </a:solidFill>
                 <a:latin typeface="Arial"/>
               </a:rPr>
-              <a:t>On-line Detection Application</a:t>
+              <a:t>Progress prace</a:t>
             </a:r>
             <a:endParaRPr b="0" lang="en-US" sz="3300" spc="-1" strike="noStrike">
               <a:solidFill>
@@ -4829,29 +4866,222 @@
           </a:p>
         </p:txBody>
       </p:sp>
-      <p:pic>
-        <p:nvPicPr>
-          <p:cNvPr id="90" name="" descr=""/>
-          <p:cNvPicPr/>
-          <p:nvPr/>
-        </p:nvPicPr>
-        <p:blipFill>
-          <a:blip r:embed="rId1"/>
-          <a:stretch/>
-        </p:blipFill>
-        <p:spPr>
-          <a:xfrm>
-            <a:off x="2176200" y="1080000"/>
-            <a:ext cx="5727240" cy="3600000"/>
-          </a:xfrm>
-          <a:prstGeom prst="rect">
-            <a:avLst/>
-          </a:prstGeom>
-          <a:ln w="18000">
-            <a:noFill/>
-          </a:ln>
-        </p:spPr>
-      </p:pic>
+      <p:sp>
+        <p:nvSpPr>
+          <p:cNvPr id="90" name="PlaceHolder 2"/>
+          <p:cNvSpPr>
+            <a:spLocks noGrp="1"/>
+          </p:cNvSpPr>
+          <p:nvPr>
+            <p:ph/>
+          </p:nvPr>
+        </p:nvSpPr>
+        <p:spPr>
+          <a:xfrm>
+            <a:off x="360000" y="1080000"/>
+            <a:ext cx="9360000" cy="3600000"/>
+          </a:xfrm>
+          <a:prstGeom prst="rect">
+            <a:avLst/>
+          </a:prstGeom>
+          <a:noFill/>
+          <a:ln w="0">
+            <a:noFill/>
+          </a:ln>
+        </p:spPr>
+        <p:txBody>
+          <a:bodyPr lIns="0" rIns="0" tIns="0" bIns="0" anchor="t">
+            <a:noAutofit/>
+          </a:bodyPr>
+          <a:p>
+            <a:pPr marL="432000" indent="-324000">
+              <a:spcBef>
+                <a:spcPts val="1060"/>
+              </a:spcBef>
+              <a:buClr>
+                <a:srgbClr val="77caee"/>
+              </a:buClr>
+              <a:buSzPct val="45000"/>
+              <a:buFont typeface="Wingdings" charset="2"/>
+              <a:buChar char=""/>
+            </a:pPr>
+            <a:r>
+              <a:rPr b="0" lang="en-US" sz="2400" spc="-1" strike="noStrike">
+                <a:solidFill>
+                  <a:srgbClr val="009bdd"/>
+                </a:solidFill>
+                <a:latin typeface="Arial"/>
+              </a:rPr>
+              <a:t>Vytvorenie templatu diplomovej práce a pridania zdrojov:</a:t>
+            </a:r>
+            <a:endParaRPr b="0" lang="en-US" sz="2400" spc="-1" strike="noStrike">
+              <a:solidFill>
+                <a:srgbClr val="009bdd"/>
+              </a:solidFill>
+              <a:latin typeface="Arial"/>
+            </a:endParaRPr>
+          </a:p>
+          <a:p>
+            <a:pPr lvl="1" marL="864000" indent="-324000">
+              <a:spcBef>
+                <a:spcPts val="850"/>
+              </a:spcBef>
+              <a:buClr>
+                <a:srgbClr val="77caee"/>
+              </a:buClr>
+              <a:buSzPct val="45000"/>
+              <a:buFont typeface="Wingdings" charset="2"/>
+              <a:buChar char=""/>
+            </a:pPr>
+            <a:r>
+              <a:rPr b="0" lang="en-US" sz="2100" spc="-1" strike="noStrike">
+                <a:solidFill>
+                  <a:srgbClr val="009bdd"/>
+                </a:solidFill>
+                <a:latin typeface="Arial"/>
+              </a:rPr>
+              <a:t>https://github.com/NicolasOrsag/Visual-system-for-interaction-human-with-robot/tree/main/LaTex%20Text%20of%20thesis </a:t>
+            </a:r>
+            <a:endParaRPr b="0" lang="en-US" sz="2100" spc="-1" strike="noStrike">
+              <a:solidFill>
+                <a:srgbClr val="009bdd"/>
+              </a:solidFill>
+              <a:latin typeface="Arial"/>
+            </a:endParaRPr>
+          </a:p>
+          <a:p>
+            <a:pPr marL="432000" indent="-324000">
+              <a:spcBef>
+                <a:spcPts val="1060"/>
+              </a:spcBef>
+              <a:buClr>
+                <a:srgbClr val="77caee"/>
+              </a:buClr>
+              <a:buSzPct val="45000"/>
+              <a:buFont typeface="Wingdings" charset="2"/>
+              <a:buChar char=""/>
+            </a:pPr>
+            <a:r>
+              <a:rPr b="0" lang="en-US" sz="2400" spc="-1" strike="noStrike">
+                <a:solidFill>
+                  <a:srgbClr val="009bdd"/>
+                </a:solidFill>
+                <a:latin typeface="Arial"/>
+              </a:rPr>
+              <a:t>Poznámky z konzultácii: </a:t>
+            </a:r>
+            <a:endParaRPr b="0" lang="en-US" sz="2400" spc="-1" strike="noStrike">
+              <a:solidFill>
+                <a:srgbClr val="009bdd"/>
+              </a:solidFill>
+              <a:latin typeface="Arial"/>
+            </a:endParaRPr>
+          </a:p>
+          <a:p>
+            <a:pPr lvl="1" marL="864000" indent="-324000">
+              <a:spcBef>
+                <a:spcPts val="850"/>
+              </a:spcBef>
+              <a:buClr>
+                <a:srgbClr val="77caee"/>
+              </a:buClr>
+              <a:buSzPct val="45000"/>
+              <a:buFont typeface="Wingdings" charset="2"/>
+              <a:buChar char=""/>
+            </a:pPr>
+            <a:r>
+              <a:rPr b="0" lang="en-US" sz="2100" spc="-1" strike="noStrike">
+                <a:solidFill>
+                  <a:srgbClr val="009bdd"/>
+                </a:solidFill>
+                <a:latin typeface="Arial"/>
+              </a:rPr>
+              <a:t>https://github.com/NicolasOrsag/Visual-system-for-interaction-human-with-robot/tree/main/Documentation/Notes-from-consultations</a:t>
+            </a:r>
+            <a:endParaRPr b="0" lang="en-US" sz="2100" spc="-1" strike="noStrike">
+              <a:solidFill>
+                <a:srgbClr val="009bdd"/>
+              </a:solidFill>
+              <a:latin typeface="Arial"/>
+            </a:endParaRPr>
+          </a:p>
+          <a:p>
+            <a:pPr marL="432000" indent="-324000">
+              <a:spcBef>
+                <a:spcPts val="1060"/>
+              </a:spcBef>
+              <a:buClr>
+                <a:srgbClr val="77caee"/>
+              </a:buClr>
+              <a:buSzPct val="45000"/>
+              <a:buFont typeface="Wingdings" charset="2"/>
+              <a:buChar char=""/>
+            </a:pPr>
+            <a:r>
+              <a:rPr b="0" lang="en-US" sz="2400" spc="-1" strike="noStrike">
+                <a:solidFill>
+                  <a:srgbClr val="009bdd"/>
+                </a:solidFill>
+                <a:latin typeface="Arial"/>
+              </a:rPr>
+              <a:t>Inštalácia všetkých potrebných dependencies pre spojazdnenie online detection dema podľa:</a:t>
+            </a:r>
+            <a:endParaRPr b="0" lang="en-US" sz="2400" spc="-1" strike="noStrike">
+              <a:solidFill>
+                <a:srgbClr val="009bdd"/>
+              </a:solidFill>
+              <a:latin typeface="Arial"/>
+            </a:endParaRPr>
+          </a:p>
+          <a:p>
+            <a:pPr lvl="1" marL="864000" indent="-324000">
+              <a:spcBef>
+                <a:spcPts val="850"/>
+              </a:spcBef>
+              <a:buClr>
+                <a:srgbClr val="77caee"/>
+              </a:buClr>
+              <a:buSzPct val="45000"/>
+              <a:buFont typeface="Wingdings" charset="2"/>
+              <a:buChar char=""/>
+            </a:pPr>
+            <a:r>
+              <a:rPr b="0" lang="en-US" sz="2100" spc="-1" strike="noStrike">
+                <a:solidFill>
+                  <a:srgbClr val="009bdd"/>
+                </a:solidFill>
+                <a:latin typeface="Arial"/>
+              </a:rPr>
+              <a:t>https://github.com/robotology/online-detection-demo</a:t>
+            </a:r>
+            <a:endParaRPr b="0" lang="en-US" sz="2100" spc="-1" strike="noStrike">
+              <a:solidFill>
+                <a:srgbClr val="009bdd"/>
+              </a:solidFill>
+              <a:latin typeface="Arial"/>
+            </a:endParaRPr>
+          </a:p>
+          <a:p>
+            <a:pPr lvl="1" marL="864000" indent="-324000">
+              <a:spcBef>
+                <a:spcPts val="850"/>
+              </a:spcBef>
+              <a:buClr>
+                <a:srgbClr val="77caee"/>
+              </a:buClr>
+              <a:buSzPct val="45000"/>
+              <a:buFont typeface="Wingdings" charset="2"/>
+              <a:buChar char=""/>
+            </a:pPr>
+            <a:endParaRPr b="0" lang="en-US" sz="2100" spc="-1" strike="noStrike">
+              <a:solidFill>
+                <a:srgbClr val="009bdd"/>
+              </a:solidFill>
+              <a:latin typeface="Arial"/>
+            </a:endParaRPr>
+          </a:p>
+        </p:txBody>
+      </p:sp>
     </p:spTree>
   </p:cSld>
   <mc:AlternateContent>
@@ -4920,7 +5150,7 @@
                 </a:solidFill>
                 <a:latin typeface="Arial"/>
               </a:rPr>
-              <a:t>Installed dependencies</a:t>
+              <a:t>On-line Detection Application</a:t>
             </a:r>
             <a:endParaRPr b="0" lang="en-US" sz="3300" spc="-1" strike="noStrike">
               <a:solidFill>
@@ -4943,8 +5173,8 @@
         </p:blipFill>
         <p:spPr>
           <a:xfrm>
-            <a:off x="1512360" y="1080000"/>
-            <a:ext cx="7055280" cy="3600000"/>
+            <a:off x="2176200" y="1080000"/>
+            <a:ext cx="5727240" cy="3600000"/>
           </a:xfrm>
           <a:prstGeom prst="rect">
             <a:avLst/>
@@ -5015,6 +5245,15 @@
             <a:pPr algn="ctr">
               <a:buNone/>
             </a:pPr>
+            <a:r>
+              <a:rPr b="0" lang="en-US" sz="3300" spc="-1" strike="noStrike">
+                <a:solidFill>
+                  <a:srgbClr val="ffffff"/>
+                </a:solidFill>
+                <a:latin typeface="Arial"/>
+              </a:rPr>
+              <a:t>Installed dependencies</a:t>
+            </a:r>
             <a:endParaRPr b="0" lang="en-US" sz="3300" spc="-1" strike="noStrike">
               <a:solidFill>
                 <a:srgbClr val="ffffff"/>
@@ -5036,8 +5275,8 @@
         </p:blipFill>
         <p:spPr>
           <a:xfrm>
-            <a:off x="360000" y="1267560"/>
-            <a:ext cx="9360000" cy="3224520"/>
+            <a:off x="1512360" y="1080000"/>
+            <a:ext cx="7055280" cy="3600000"/>
           </a:xfrm>
           <a:prstGeom prst="rect">
             <a:avLst/>
@@ -5120,6 +5359,108 @@
       <p:pic>
         <p:nvPicPr>
           <p:cNvPr id="96" name="" descr=""/>
+          <p:cNvPicPr/>
+          <p:nvPr/>
+        </p:nvPicPr>
+        <p:blipFill>
+          <a:blip r:embed="rId1"/>
+          <a:stretch/>
+        </p:blipFill>
+        <p:spPr>
+          <a:xfrm>
+            <a:off x="360000" y="1267560"/>
+            <a:ext cx="9360000" cy="3224520"/>
+          </a:xfrm>
+          <a:prstGeom prst="rect">
+            <a:avLst/>
+          </a:prstGeom>
+          <a:ln w="18000">
+            <a:noFill/>
+          </a:ln>
+        </p:spPr>
+      </p:pic>
+    </p:spTree>
+  </p:cSld>
+  <mc:AlternateContent>
+    <mc:Choice Requires="p14">
+      <p:transition spd="slow" p14:dur="2000"/>
+    </mc:Choice>
+    <mc:Fallback>
+      <p:transition spd="slow"/>
+    </mc:Fallback>
+  </mc:AlternateContent>
+</p:sld>
+</file>
+
+<file path=ppt/slides/slide7.xml><?xml version="1.0" encoding="utf-8"?>
+<p:sld xmlns:a="http://schemas.openxmlformats.org/drawingml/2006/main" xmlns:p="http://schemas.openxmlformats.org/presentationml/2006/main" xmlns:r="http://schemas.openxmlformats.org/officeDocument/2006/relationships" xmlns:p14="http://schemas.microsoft.com/office/powerpoint/2010/main" xmlns:p15="http://schemas.microsoft.com/office/powerpoint/2012/main" xmlns:mc="http://schemas.openxmlformats.org/markup-compatibility/2006">
+  <p:cSld>
+    <p:spTree>
+      <p:nvGrpSpPr>
+        <p:cNvPr id="1" name=""/>
+        <p:cNvGrpSpPr/>
+        <p:nvPr/>
+      </p:nvGrpSpPr>
+      <p:grpSpPr>
+        <a:xfrm>
+          <a:off x="0" y="0"/>
+          <a:ext cx="0" cy="0"/>
+          <a:chOff x="0" y="0"/>
+          <a:chExt cx="0" cy="0"/>
+        </a:xfrm>
+      </p:grpSpPr>
+      <p:sp>
+        <p:nvSpPr>
+          <p:cNvPr id="97" name="PlaceHolder 1"/>
+          <p:cNvSpPr>
+            <a:spLocks noGrp="1"/>
+          </p:cNvSpPr>
+          <p:nvPr>
+            <p:ph type="title"/>
+          </p:nvPr>
+        </p:nvSpPr>
+        <p:spPr>
+          <a:xfrm>
+            <a:off x="360000" y="180000"/>
+            <a:ext cx="9360000" cy="478080"/>
+          </a:xfrm>
+          <a:prstGeom prst="rect">
+            <a:avLst/>
+          </a:prstGeom>
+          <a:noFill/>
+          <a:ln w="0">
+            <a:noFill/>
+          </a:ln>
+        </p:spPr>
+        <p:txBody>
+          <a:bodyPr lIns="0" rIns="0" tIns="0" bIns="0" anchor="ctr">
+            <a:noAutofit/>
+          </a:bodyPr>
+          <a:p>
+            <a:pPr algn="ctr">
+              <a:buNone/>
+            </a:pPr>
+            <a:r>
+              <a:rPr b="0" lang="en-US" sz="3300" spc="-1" strike="noStrike">
+                <a:solidFill>
+                  <a:srgbClr val="ffffff"/>
+                </a:solidFill>
+                <a:latin typeface="Arial"/>
+              </a:rPr>
+              <a:t>Ukážka detection_main.m </a:t>
+            </a:r>
+            <a:endParaRPr b="0" lang="en-US" sz="3300" spc="-1" strike="noStrike">
+              <a:solidFill>
+                <a:srgbClr val="ffffff"/>
+              </a:solidFill>
+              <a:latin typeface="Arial"/>
+            </a:endParaRPr>
+          </a:p>
+        </p:txBody>
+      </p:sp>
+      <p:pic>
+        <p:nvPicPr>
+          <p:cNvPr id="98" name="" descr=""/>
           <p:cNvPicPr/>
           <p:nvPr/>
         </p:nvPicPr>

--- a/Documentation/Presentation.pptx
+++ b/Documentation/Presentation.pptx
@@ -3729,7 +3729,7 @@
             <a:pPr algn="r">
               <a:buNone/>
             </a:pPr>
-            <a:fld id="{80E5993F-57F8-4DE9-9341-C416C3815D34}" type="slidenum">
+            <a:fld id="{C05A6AA3-9609-4222-AFF1-4AA590F07D78}" type="slidenum">
               <a:rPr b="0" lang="en-US" sz="1400" spc="-1" strike="noStrike">
                 <a:solidFill>
                   <a:srgbClr val="ffffff"/>
@@ -4266,7 +4266,7 @@
             <a:pPr algn="r">
               <a:buNone/>
             </a:pPr>
-            <a:fld id="{714645AF-3C66-4E5B-B11B-E94BA0B818A6}" type="slidenum">
+            <a:fld id="{218E169C-A92B-4D8B-B419-720AB9667F12}" type="slidenum">
               <a:rPr b="0" lang="en-US" sz="1400" spc="-1" strike="noStrike">
                 <a:solidFill>
                   <a:srgbClr val="ffffff"/>

--- a/Documentation/Presentation.pptx
+++ b/Documentation/Presentation.pptx
@@ -70,8 +70,8 @@
         </p:nvSpPr>
         <p:spPr>
           <a:xfrm>
-            <a:off x="360000" y="180000"/>
-            <a:ext cx="9360000" cy="478080"/>
+            <a:off x="360000" y="106200"/>
+            <a:ext cx="9359640" cy="625320"/>
           </a:xfrm>
           <a:prstGeom prst="rect">
             <a:avLst/>
@@ -89,10 +89,7 @@
             <a:pPr algn="ctr">
               <a:buNone/>
             </a:pPr>
-            <a:endParaRPr b="0" lang="en-US" sz="3300" spc="-1" strike="noStrike">
-              <a:solidFill>
-                <a:srgbClr val="ffffff"/>
-              </a:solidFill>
+            <a:endParaRPr b="0" lang="sk-SK" sz="4400" spc="-1" strike="noStrike">
               <a:latin typeface="Arial"/>
             </a:endParaRPr>
           </a:p>
@@ -111,25 +108,22 @@
         <p:spPr>
           <a:xfrm>
             <a:off x="360000" y="1080000"/>
-            <a:ext cx="9360000" cy="1716840"/>
-          </a:xfrm>
-          <a:prstGeom prst="rect">
-            <a:avLst/>
-          </a:prstGeom>
-          <a:noFill/>
-          <a:ln w="0">
-            <a:noFill/>
-          </a:ln>
-        </p:spPr>
-        <p:txBody>
-          <a:bodyPr lIns="0" rIns="0" tIns="0" bIns="0" anchor="t">
-            <a:noAutofit/>
-          </a:bodyPr>
-          <a:p>
-            <a:endParaRPr b="0" lang="en-US" sz="2400" spc="-1" strike="noStrike">
-              <a:solidFill>
-                <a:srgbClr val="009bdd"/>
-              </a:solidFill>
+            <a:ext cx="9359640" cy="1716840"/>
+          </a:xfrm>
+          <a:prstGeom prst="rect">
+            <a:avLst/>
+          </a:prstGeom>
+          <a:noFill/>
+          <a:ln w="0">
+            <a:noFill/>
+          </a:ln>
+        </p:spPr>
+        <p:txBody>
+          <a:bodyPr lIns="0" rIns="0" tIns="0" bIns="0" anchor="t">
+            <a:normAutofit/>
+          </a:bodyPr>
+          <a:p>
+            <a:endParaRPr b="0" lang="sk-SK" sz="3200" spc="-1" strike="noStrike">
               <a:latin typeface="Arial"/>
             </a:endParaRPr>
           </a:p>
@@ -148,25 +142,22 @@
         <p:spPr>
           <a:xfrm>
             <a:off x="360000" y="2960280"/>
-            <a:ext cx="9360000" cy="1716840"/>
-          </a:xfrm>
-          <a:prstGeom prst="rect">
-            <a:avLst/>
-          </a:prstGeom>
-          <a:noFill/>
-          <a:ln w="0">
-            <a:noFill/>
-          </a:ln>
-        </p:spPr>
-        <p:txBody>
-          <a:bodyPr lIns="0" rIns="0" tIns="0" bIns="0" anchor="t">
-            <a:noAutofit/>
-          </a:bodyPr>
-          <a:p>
-            <a:endParaRPr b="0" lang="en-US" sz="2400" spc="-1" strike="noStrike">
-              <a:solidFill>
-                <a:srgbClr val="009bdd"/>
-              </a:solidFill>
+            <a:ext cx="9359640" cy="1716840"/>
+          </a:xfrm>
+          <a:prstGeom prst="rect">
+            <a:avLst/>
+          </a:prstGeom>
+          <a:noFill/>
+          <a:ln w="0">
+            <a:noFill/>
+          </a:ln>
+        </p:spPr>
+        <p:txBody>
+          <a:bodyPr lIns="0" rIns="0" tIns="0" bIns="0" anchor="t">
+            <a:normAutofit/>
+          </a:bodyPr>
+          <a:p>
+            <a:endParaRPr b="0" lang="sk-SK" sz="3200" spc="-1" strike="noStrike">
               <a:latin typeface="Arial"/>
             </a:endParaRPr>
           </a:p>
@@ -206,8 +197,8 @@
         </p:nvSpPr>
         <p:spPr>
           <a:xfrm>
-            <a:off x="360000" y="180000"/>
-            <a:ext cx="9360000" cy="478080"/>
+            <a:off x="360000" y="106200"/>
+            <a:ext cx="9359640" cy="625320"/>
           </a:xfrm>
           <a:prstGeom prst="rect">
             <a:avLst/>
@@ -225,10 +216,7 @@
             <a:pPr algn="ctr">
               <a:buNone/>
             </a:pPr>
-            <a:endParaRPr b="0" lang="en-US" sz="3300" spc="-1" strike="noStrike">
-              <a:solidFill>
-                <a:srgbClr val="ffffff"/>
-              </a:solidFill>
+            <a:endParaRPr b="0" lang="sk-SK" sz="4400" spc="-1" strike="noStrike">
               <a:latin typeface="Arial"/>
             </a:endParaRPr>
           </a:p>
@@ -259,13 +247,10 @@
         </p:spPr>
         <p:txBody>
           <a:bodyPr lIns="0" rIns="0" tIns="0" bIns="0" anchor="t">
-            <a:noAutofit/>
-          </a:bodyPr>
-          <a:p>
-            <a:endParaRPr b="0" lang="en-US" sz="2400" spc="-1" strike="noStrike">
-              <a:solidFill>
-                <a:srgbClr val="009bdd"/>
-              </a:solidFill>
+            <a:normAutofit/>
+          </a:bodyPr>
+          <a:p>
+            <a:endParaRPr b="0" lang="sk-SK" sz="3200" spc="-1" strike="noStrike">
               <a:latin typeface="Arial"/>
             </a:endParaRPr>
           </a:p>
@@ -296,13 +281,10 @@
         </p:spPr>
         <p:txBody>
           <a:bodyPr lIns="0" rIns="0" tIns="0" bIns="0" anchor="t">
-            <a:noAutofit/>
-          </a:bodyPr>
-          <a:p>
-            <a:endParaRPr b="0" lang="en-US" sz="2400" spc="-1" strike="noStrike">
-              <a:solidFill>
-                <a:srgbClr val="009bdd"/>
-              </a:solidFill>
+            <a:normAutofit/>
+          </a:bodyPr>
+          <a:p>
+            <a:endParaRPr b="0" lang="sk-SK" sz="3200" spc="-1" strike="noStrike">
               <a:latin typeface="Arial"/>
             </a:endParaRPr>
           </a:p>
@@ -333,13 +315,10 @@
         </p:spPr>
         <p:txBody>
           <a:bodyPr lIns="0" rIns="0" tIns="0" bIns="0" anchor="t">
-            <a:noAutofit/>
-          </a:bodyPr>
-          <a:p>
-            <a:endParaRPr b="0" lang="en-US" sz="2400" spc="-1" strike="noStrike">
-              <a:solidFill>
-                <a:srgbClr val="009bdd"/>
-              </a:solidFill>
+            <a:normAutofit/>
+          </a:bodyPr>
+          <a:p>
+            <a:endParaRPr b="0" lang="sk-SK" sz="3200" spc="-1" strike="noStrike">
               <a:latin typeface="Arial"/>
             </a:endParaRPr>
           </a:p>
@@ -370,13 +349,10 @@
         </p:spPr>
         <p:txBody>
           <a:bodyPr lIns="0" rIns="0" tIns="0" bIns="0" anchor="t">
-            <a:noAutofit/>
-          </a:bodyPr>
-          <a:p>
-            <a:endParaRPr b="0" lang="en-US" sz="2400" spc="-1" strike="noStrike">
-              <a:solidFill>
-                <a:srgbClr val="009bdd"/>
-              </a:solidFill>
+            <a:normAutofit/>
+          </a:bodyPr>
+          <a:p>
+            <a:endParaRPr b="0" lang="sk-SK" sz="3200" spc="-1" strike="noStrike">
               <a:latin typeface="Arial"/>
             </a:endParaRPr>
           </a:p>
@@ -416,8 +392,8 @@
         </p:nvSpPr>
         <p:spPr>
           <a:xfrm>
-            <a:off x="360000" y="180000"/>
-            <a:ext cx="9360000" cy="478080"/>
+            <a:off x="360000" y="106200"/>
+            <a:ext cx="9359640" cy="625320"/>
           </a:xfrm>
           <a:prstGeom prst="rect">
             <a:avLst/>
@@ -435,10 +411,7 @@
             <a:pPr algn="ctr">
               <a:buNone/>
             </a:pPr>
-            <a:endParaRPr b="0" lang="en-US" sz="3300" spc="-1" strike="noStrike">
-              <a:solidFill>
-                <a:srgbClr val="ffffff"/>
-              </a:solidFill>
+            <a:endParaRPr b="0" lang="sk-SK" sz="4400" spc="-1" strike="noStrike">
               <a:latin typeface="Arial"/>
             </a:endParaRPr>
           </a:p>
@@ -469,13 +442,10 @@
         </p:spPr>
         <p:txBody>
           <a:bodyPr lIns="0" rIns="0" tIns="0" bIns="0" anchor="t">
-            <a:noAutofit/>
-          </a:bodyPr>
-          <a:p>
-            <a:endParaRPr b="0" lang="en-US" sz="2400" spc="-1" strike="noStrike">
-              <a:solidFill>
-                <a:srgbClr val="009bdd"/>
-              </a:solidFill>
+            <a:normAutofit/>
+          </a:bodyPr>
+          <a:p>
+            <a:endParaRPr b="0" lang="sk-SK" sz="3200" spc="-1" strike="noStrike">
               <a:latin typeface="Arial"/>
             </a:endParaRPr>
           </a:p>
@@ -506,13 +476,10 @@
         </p:spPr>
         <p:txBody>
           <a:bodyPr lIns="0" rIns="0" tIns="0" bIns="0" anchor="t">
-            <a:noAutofit/>
-          </a:bodyPr>
-          <a:p>
-            <a:endParaRPr b="0" lang="en-US" sz="2400" spc="-1" strike="noStrike">
-              <a:solidFill>
-                <a:srgbClr val="009bdd"/>
-              </a:solidFill>
+            <a:normAutofit/>
+          </a:bodyPr>
+          <a:p>
+            <a:endParaRPr b="0" lang="sk-SK" sz="3200" spc="-1" strike="noStrike">
               <a:latin typeface="Arial"/>
             </a:endParaRPr>
           </a:p>
@@ -543,13 +510,10 @@
         </p:spPr>
         <p:txBody>
           <a:bodyPr lIns="0" rIns="0" tIns="0" bIns="0" anchor="t">
-            <a:noAutofit/>
-          </a:bodyPr>
-          <a:p>
-            <a:endParaRPr b="0" lang="en-US" sz="2400" spc="-1" strike="noStrike">
-              <a:solidFill>
-                <a:srgbClr val="009bdd"/>
-              </a:solidFill>
+            <a:normAutofit/>
+          </a:bodyPr>
+          <a:p>
+            <a:endParaRPr b="0" lang="sk-SK" sz="3200" spc="-1" strike="noStrike">
               <a:latin typeface="Arial"/>
             </a:endParaRPr>
           </a:p>
@@ -580,13 +544,10 @@
         </p:spPr>
         <p:txBody>
           <a:bodyPr lIns="0" rIns="0" tIns="0" bIns="0" anchor="t">
-            <a:noAutofit/>
-          </a:bodyPr>
-          <a:p>
-            <a:endParaRPr b="0" lang="en-US" sz="2400" spc="-1" strike="noStrike">
-              <a:solidFill>
-                <a:srgbClr val="009bdd"/>
-              </a:solidFill>
+            <a:normAutofit/>
+          </a:bodyPr>
+          <a:p>
+            <a:endParaRPr b="0" lang="sk-SK" sz="3200" spc="-1" strike="noStrike">
               <a:latin typeface="Arial"/>
             </a:endParaRPr>
           </a:p>
@@ -617,13 +578,10 @@
         </p:spPr>
         <p:txBody>
           <a:bodyPr lIns="0" rIns="0" tIns="0" bIns="0" anchor="t">
-            <a:noAutofit/>
-          </a:bodyPr>
-          <a:p>
-            <a:endParaRPr b="0" lang="en-US" sz="2400" spc="-1" strike="noStrike">
-              <a:solidFill>
-                <a:srgbClr val="009bdd"/>
-              </a:solidFill>
+            <a:normAutofit/>
+          </a:bodyPr>
+          <a:p>
+            <a:endParaRPr b="0" lang="sk-SK" sz="3200" spc="-1" strike="noStrike">
               <a:latin typeface="Arial"/>
             </a:endParaRPr>
           </a:p>
@@ -654,13 +612,10 @@
         </p:spPr>
         <p:txBody>
           <a:bodyPr lIns="0" rIns="0" tIns="0" bIns="0" anchor="t">
-            <a:noAutofit/>
-          </a:bodyPr>
-          <a:p>
-            <a:endParaRPr b="0" lang="en-US" sz="2400" spc="-1" strike="noStrike">
-              <a:solidFill>
-                <a:srgbClr val="009bdd"/>
-              </a:solidFill>
+            <a:normAutofit/>
+          </a:bodyPr>
+          <a:p>
+            <a:endParaRPr b="0" lang="sk-SK" sz="3200" spc="-1" strike="noStrike">
               <a:latin typeface="Arial"/>
             </a:endParaRPr>
           </a:p>
@@ -712,7 +667,7 @@
       </p:grpSpPr>
       <p:sp>
         <p:nvSpPr>
-          <p:cNvPr id="49" name="PlaceHolder 1"/>
+          <p:cNvPr id="46" name="PlaceHolder 1"/>
           <p:cNvSpPr>
             <a:spLocks noGrp="1"/>
           </p:cNvSpPr>
@@ -722,8 +677,8 @@
         </p:nvSpPr>
         <p:spPr>
           <a:xfrm>
-            <a:off x="360000" y="180000"/>
-            <a:ext cx="9360000" cy="478080"/>
+            <a:off x="360000" y="106200"/>
+            <a:ext cx="9359640" cy="625320"/>
           </a:xfrm>
           <a:prstGeom prst="rect">
             <a:avLst/>
@@ -741,18 +696,15 @@
             <a:pPr algn="ctr">
               <a:buNone/>
             </a:pPr>
-            <a:endParaRPr b="0" lang="en-US" sz="3300" spc="-1" strike="noStrike">
-              <a:solidFill>
-                <a:srgbClr val="ffffff"/>
-              </a:solidFill>
-              <a:latin typeface="Arial"/>
-            </a:endParaRPr>
-          </a:p>
-        </p:txBody>
-      </p:sp>
-      <p:sp>
-        <p:nvSpPr>
-          <p:cNvPr id="50" name="PlaceHolder 2"/>
+            <a:endParaRPr b="0" lang="sk-SK" sz="4400" spc="-1" strike="noStrike">
+              <a:latin typeface="Arial"/>
+            </a:endParaRPr>
+          </a:p>
+        </p:txBody>
+      </p:sp>
+      <p:sp>
+        <p:nvSpPr>
+          <p:cNvPr id="47" name="PlaceHolder 2"/>
           <p:cNvSpPr>
             <a:spLocks noGrp="1"/>
           </p:cNvSpPr>
@@ -763,7 +715,7 @@
         <p:spPr>
           <a:xfrm>
             <a:off x="360000" y="1080000"/>
-            <a:ext cx="9360000" cy="3600000"/>
+            <a:ext cx="9359640" cy="3599640"/>
           </a:xfrm>
           <a:prstGeom prst="rect">
             <a:avLst/>
@@ -781,10 +733,7 @@
             <a:pPr algn="ctr">
               <a:buNone/>
             </a:pPr>
-            <a:endParaRPr b="0" lang="en-US" sz="3200" spc="-1" strike="noStrike">
-              <a:highlight>
-                <a:srgbClr val="ffffff"/>
-              </a:highlight>
+            <a:endParaRPr b="0" lang="sk-SK" sz="3200" spc="-1" strike="noStrike">
               <a:latin typeface="Arial"/>
             </a:endParaRPr>
           </a:p>
@@ -814,7 +763,7 @@
       </p:grpSpPr>
       <p:sp>
         <p:nvSpPr>
-          <p:cNvPr id="51" name="PlaceHolder 1"/>
+          <p:cNvPr id="48" name="PlaceHolder 1"/>
           <p:cNvSpPr>
             <a:spLocks noGrp="1"/>
           </p:cNvSpPr>
@@ -824,8 +773,8 @@
         </p:nvSpPr>
         <p:spPr>
           <a:xfrm>
-            <a:off x="360000" y="180000"/>
-            <a:ext cx="9360000" cy="478080"/>
+            <a:off x="360000" y="106200"/>
+            <a:ext cx="9359640" cy="625320"/>
           </a:xfrm>
           <a:prstGeom prst="rect">
             <a:avLst/>
@@ -843,18 +792,15 @@
             <a:pPr algn="ctr">
               <a:buNone/>
             </a:pPr>
-            <a:endParaRPr b="0" lang="en-US" sz="3300" spc="-1" strike="noStrike">
-              <a:solidFill>
-                <a:srgbClr val="ffffff"/>
-              </a:solidFill>
-              <a:latin typeface="Arial"/>
-            </a:endParaRPr>
-          </a:p>
-        </p:txBody>
-      </p:sp>
-      <p:sp>
-        <p:nvSpPr>
-          <p:cNvPr id="52" name="PlaceHolder 2"/>
+            <a:endParaRPr b="0" lang="sk-SK" sz="4400" spc="-1" strike="noStrike">
+              <a:latin typeface="Arial"/>
+            </a:endParaRPr>
+          </a:p>
+        </p:txBody>
+      </p:sp>
+      <p:sp>
+        <p:nvSpPr>
+          <p:cNvPr id="49" name="PlaceHolder 2"/>
           <p:cNvSpPr>
             <a:spLocks noGrp="1"/>
           </p:cNvSpPr>
@@ -865,25 +811,22 @@
         <p:spPr>
           <a:xfrm>
             <a:off x="360000" y="1080000"/>
-            <a:ext cx="9360000" cy="3600000"/>
-          </a:xfrm>
-          <a:prstGeom prst="rect">
-            <a:avLst/>
-          </a:prstGeom>
-          <a:noFill/>
-          <a:ln w="0">
-            <a:noFill/>
-          </a:ln>
-        </p:spPr>
-        <p:txBody>
-          <a:bodyPr lIns="0" rIns="0" tIns="0" bIns="0" anchor="t">
-            <a:noAutofit/>
-          </a:bodyPr>
-          <a:p>
-            <a:endParaRPr b="0" lang="en-US" sz="2400" spc="-1" strike="noStrike">
-              <a:solidFill>
-                <a:srgbClr val="009bdd"/>
-              </a:solidFill>
+            <a:ext cx="9359640" cy="3599640"/>
+          </a:xfrm>
+          <a:prstGeom prst="rect">
+            <a:avLst/>
+          </a:prstGeom>
+          <a:noFill/>
+          <a:ln w="0">
+            <a:noFill/>
+          </a:ln>
+        </p:spPr>
+        <p:txBody>
+          <a:bodyPr lIns="0" rIns="0" tIns="0" bIns="0" anchor="t">
+            <a:normAutofit/>
+          </a:bodyPr>
+          <a:p>
+            <a:endParaRPr b="0" lang="sk-SK" sz="3200" spc="-1" strike="noStrike">
               <a:latin typeface="Arial"/>
             </a:endParaRPr>
           </a:p>
@@ -913,7 +856,7 @@
       </p:grpSpPr>
       <p:sp>
         <p:nvSpPr>
-          <p:cNvPr id="53" name="PlaceHolder 1"/>
+          <p:cNvPr id="50" name="PlaceHolder 1"/>
           <p:cNvSpPr>
             <a:spLocks noGrp="1"/>
           </p:cNvSpPr>
@@ -923,8 +866,8 @@
         </p:nvSpPr>
         <p:spPr>
           <a:xfrm>
-            <a:off x="360000" y="180000"/>
-            <a:ext cx="9360000" cy="478080"/>
+            <a:off x="360000" y="106200"/>
+            <a:ext cx="9359640" cy="625320"/>
           </a:xfrm>
           <a:prstGeom prst="rect">
             <a:avLst/>
@@ -942,18 +885,15 @@
             <a:pPr algn="ctr">
               <a:buNone/>
             </a:pPr>
-            <a:endParaRPr b="0" lang="en-US" sz="3300" spc="-1" strike="noStrike">
-              <a:solidFill>
-                <a:srgbClr val="ffffff"/>
-              </a:solidFill>
-              <a:latin typeface="Arial"/>
-            </a:endParaRPr>
-          </a:p>
-        </p:txBody>
-      </p:sp>
-      <p:sp>
-        <p:nvSpPr>
-          <p:cNvPr id="54" name="PlaceHolder 2"/>
+            <a:endParaRPr b="0" lang="sk-SK" sz="4400" spc="-1" strike="noStrike">
+              <a:latin typeface="Arial"/>
+            </a:endParaRPr>
+          </a:p>
+        </p:txBody>
+      </p:sp>
+      <p:sp>
+        <p:nvSpPr>
+          <p:cNvPr id="51" name="PlaceHolder 2"/>
           <p:cNvSpPr>
             <a:spLocks noGrp="1"/>
           </p:cNvSpPr>
@@ -964,33 +904,30 @@
         <p:spPr>
           <a:xfrm>
             <a:off x="360000" y="1080000"/>
-            <a:ext cx="4567320" cy="3600000"/>
-          </a:xfrm>
-          <a:prstGeom prst="rect">
-            <a:avLst/>
-          </a:prstGeom>
-          <a:noFill/>
-          <a:ln w="0">
-            <a:noFill/>
-          </a:ln>
-        </p:spPr>
-        <p:txBody>
-          <a:bodyPr lIns="0" rIns="0" tIns="0" bIns="0" anchor="t">
-            <a:noAutofit/>
-          </a:bodyPr>
-          <a:p>
-            <a:endParaRPr b="0" lang="en-US" sz="2400" spc="-1" strike="noStrike">
-              <a:solidFill>
-                <a:srgbClr val="009bdd"/>
-              </a:solidFill>
-              <a:latin typeface="Arial"/>
-            </a:endParaRPr>
-          </a:p>
-        </p:txBody>
-      </p:sp>
-      <p:sp>
-        <p:nvSpPr>
-          <p:cNvPr id="55" name="PlaceHolder 3"/>
+            <a:ext cx="4567320" cy="3599640"/>
+          </a:xfrm>
+          <a:prstGeom prst="rect">
+            <a:avLst/>
+          </a:prstGeom>
+          <a:noFill/>
+          <a:ln w="0">
+            <a:noFill/>
+          </a:ln>
+        </p:spPr>
+        <p:txBody>
+          <a:bodyPr lIns="0" rIns="0" tIns="0" bIns="0" anchor="t">
+            <a:normAutofit/>
+          </a:bodyPr>
+          <a:p>
+            <a:endParaRPr b="0" lang="sk-SK" sz="3200" spc="-1" strike="noStrike">
+              <a:latin typeface="Arial"/>
+            </a:endParaRPr>
+          </a:p>
+        </p:txBody>
+      </p:sp>
+      <p:sp>
+        <p:nvSpPr>
+          <p:cNvPr id="52" name="PlaceHolder 3"/>
           <p:cNvSpPr>
             <a:spLocks noGrp="1"/>
           </p:cNvSpPr>
@@ -1001,25 +938,22 @@
         <p:spPr>
           <a:xfrm>
             <a:off x="5155920" y="1080000"/>
-            <a:ext cx="4567320" cy="3600000"/>
-          </a:xfrm>
-          <a:prstGeom prst="rect">
-            <a:avLst/>
-          </a:prstGeom>
-          <a:noFill/>
-          <a:ln w="0">
-            <a:noFill/>
-          </a:ln>
-        </p:spPr>
-        <p:txBody>
-          <a:bodyPr lIns="0" rIns="0" tIns="0" bIns="0" anchor="t">
-            <a:noAutofit/>
-          </a:bodyPr>
-          <a:p>
-            <a:endParaRPr b="0" lang="en-US" sz="2400" spc="-1" strike="noStrike">
-              <a:solidFill>
-                <a:srgbClr val="009bdd"/>
-              </a:solidFill>
+            <a:ext cx="4567320" cy="3599640"/>
+          </a:xfrm>
+          <a:prstGeom prst="rect">
+            <a:avLst/>
+          </a:prstGeom>
+          <a:noFill/>
+          <a:ln w="0">
+            <a:noFill/>
+          </a:ln>
+        </p:spPr>
+        <p:txBody>
+          <a:bodyPr lIns="0" rIns="0" tIns="0" bIns="0" anchor="t">
+            <a:normAutofit/>
+          </a:bodyPr>
+          <a:p>
+            <a:endParaRPr b="0" lang="sk-SK" sz="3200" spc="-1" strike="noStrike">
               <a:latin typeface="Arial"/>
             </a:endParaRPr>
           </a:p>
@@ -1049,7 +983,7 @@
       </p:grpSpPr>
       <p:sp>
         <p:nvSpPr>
-          <p:cNvPr id="56" name="PlaceHolder 1"/>
+          <p:cNvPr id="53" name="PlaceHolder 1"/>
           <p:cNvSpPr>
             <a:spLocks noGrp="1"/>
           </p:cNvSpPr>
@@ -1059,8 +993,8 @@
         </p:nvSpPr>
         <p:spPr>
           <a:xfrm>
-            <a:off x="360000" y="180000"/>
-            <a:ext cx="9360000" cy="478080"/>
+            <a:off x="360000" y="106200"/>
+            <a:ext cx="9359640" cy="625320"/>
           </a:xfrm>
           <a:prstGeom prst="rect">
             <a:avLst/>
@@ -1078,10 +1012,7 @@
             <a:pPr algn="ctr">
               <a:buNone/>
             </a:pPr>
-            <a:endParaRPr b="0" lang="en-US" sz="3300" spc="-1" strike="noStrike">
-              <a:solidFill>
-                <a:srgbClr val="ffffff"/>
-              </a:solidFill>
+            <a:endParaRPr b="0" lang="sk-SK" sz="4400" spc="-1" strike="noStrike">
               <a:latin typeface="Arial"/>
             </a:endParaRPr>
           </a:p>
@@ -1111,7 +1042,7 @@
       </p:grpSpPr>
       <p:sp>
         <p:nvSpPr>
-          <p:cNvPr id="57" name="PlaceHolder 1"/>
+          <p:cNvPr id="54" name="PlaceHolder 1"/>
           <p:cNvSpPr>
             <a:spLocks noGrp="1"/>
           </p:cNvSpPr>
@@ -1122,7 +1053,7 @@
         <p:spPr>
           <a:xfrm>
             <a:off x="360000" y="180000"/>
-            <a:ext cx="9360000" cy="2217240"/>
+            <a:ext cx="9359640" cy="2215800"/>
           </a:xfrm>
           <a:prstGeom prst="rect">
             <a:avLst/>
@@ -1140,10 +1071,7 @@
             <a:pPr algn="ctr">
               <a:buNone/>
             </a:pPr>
-            <a:endParaRPr b="0" lang="en-US" sz="3200" spc="-1" strike="noStrike">
-              <a:highlight>
-                <a:srgbClr val="ffffff"/>
-              </a:highlight>
+            <a:endParaRPr b="0" lang="sk-SK" sz="3200" spc="-1" strike="noStrike">
               <a:latin typeface="Arial"/>
             </a:endParaRPr>
           </a:p>
@@ -1173,7 +1101,7 @@
       </p:grpSpPr>
       <p:sp>
         <p:nvSpPr>
-          <p:cNvPr id="58" name="PlaceHolder 1"/>
+          <p:cNvPr id="55" name="PlaceHolder 1"/>
           <p:cNvSpPr>
             <a:spLocks noGrp="1"/>
           </p:cNvSpPr>
@@ -1183,8 +1111,8 @@
         </p:nvSpPr>
         <p:spPr>
           <a:xfrm>
-            <a:off x="360000" y="180000"/>
-            <a:ext cx="9360000" cy="478080"/>
+            <a:off x="360000" y="106200"/>
+            <a:ext cx="9359640" cy="625320"/>
           </a:xfrm>
           <a:prstGeom prst="rect">
             <a:avLst/>
@@ -1202,18 +1130,15 @@
             <a:pPr algn="ctr">
               <a:buNone/>
             </a:pPr>
-            <a:endParaRPr b="0" lang="en-US" sz="3300" spc="-1" strike="noStrike">
-              <a:solidFill>
-                <a:srgbClr val="ffffff"/>
-              </a:solidFill>
-              <a:latin typeface="Arial"/>
-            </a:endParaRPr>
-          </a:p>
-        </p:txBody>
-      </p:sp>
-      <p:sp>
-        <p:nvSpPr>
-          <p:cNvPr id="59" name="PlaceHolder 2"/>
+            <a:endParaRPr b="0" lang="sk-SK" sz="4400" spc="-1" strike="noStrike">
+              <a:latin typeface="Arial"/>
+            </a:endParaRPr>
+          </a:p>
+        </p:txBody>
+      </p:sp>
+      <p:sp>
+        <p:nvSpPr>
+          <p:cNvPr id="56" name="PlaceHolder 2"/>
           <p:cNvSpPr>
             <a:spLocks noGrp="1"/>
           </p:cNvSpPr>
@@ -1236,21 +1161,18 @@
         </p:spPr>
         <p:txBody>
           <a:bodyPr lIns="0" rIns="0" tIns="0" bIns="0" anchor="t">
-            <a:noAutofit/>
-          </a:bodyPr>
-          <a:p>
-            <a:endParaRPr b="0" lang="en-US" sz="2400" spc="-1" strike="noStrike">
-              <a:solidFill>
-                <a:srgbClr val="009bdd"/>
-              </a:solidFill>
-              <a:latin typeface="Arial"/>
-            </a:endParaRPr>
-          </a:p>
-        </p:txBody>
-      </p:sp>
-      <p:sp>
-        <p:nvSpPr>
-          <p:cNvPr id="60" name="PlaceHolder 3"/>
+            <a:normAutofit/>
+          </a:bodyPr>
+          <a:p>
+            <a:endParaRPr b="0" lang="sk-SK" sz="3200" spc="-1" strike="noStrike">
+              <a:latin typeface="Arial"/>
+            </a:endParaRPr>
+          </a:p>
+        </p:txBody>
+      </p:sp>
+      <p:sp>
+        <p:nvSpPr>
+          <p:cNvPr id="57" name="PlaceHolder 3"/>
           <p:cNvSpPr>
             <a:spLocks noGrp="1"/>
           </p:cNvSpPr>
@@ -1261,33 +1183,30 @@
         <p:spPr>
           <a:xfrm>
             <a:off x="5155920" y="1080000"/>
-            <a:ext cx="4567320" cy="3600000"/>
-          </a:xfrm>
-          <a:prstGeom prst="rect">
-            <a:avLst/>
-          </a:prstGeom>
-          <a:noFill/>
-          <a:ln w="0">
-            <a:noFill/>
-          </a:ln>
-        </p:spPr>
-        <p:txBody>
-          <a:bodyPr lIns="0" rIns="0" tIns="0" bIns="0" anchor="t">
-            <a:noAutofit/>
-          </a:bodyPr>
-          <a:p>
-            <a:endParaRPr b="0" lang="en-US" sz="2400" spc="-1" strike="noStrike">
-              <a:solidFill>
-                <a:srgbClr val="009bdd"/>
-              </a:solidFill>
-              <a:latin typeface="Arial"/>
-            </a:endParaRPr>
-          </a:p>
-        </p:txBody>
-      </p:sp>
-      <p:sp>
-        <p:nvSpPr>
-          <p:cNvPr id="61" name="PlaceHolder 4"/>
+            <a:ext cx="4567320" cy="3599640"/>
+          </a:xfrm>
+          <a:prstGeom prst="rect">
+            <a:avLst/>
+          </a:prstGeom>
+          <a:noFill/>
+          <a:ln w="0">
+            <a:noFill/>
+          </a:ln>
+        </p:spPr>
+        <p:txBody>
+          <a:bodyPr lIns="0" rIns="0" tIns="0" bIns="0" anchor="t">
+            <a:normAutofit/>
+          </a:bodyPr>
+          <a:p>
+            <a:endParaRPr b="0" lang="sk-SK" sz="3200" spc="-1" strike="noStrike">
+              <a:latin typeface="Arial"/>
+            </a:endParaRPr>
+          </a:p>
+        </p:txBody>
+      </p:sp>
+      <p:sp>
+        <p:nvSpPr>
+          <p:cNvPr id="58" name="PlaceHolder 4"/>
           <p:cNvSpPr>
             <a:spLocks noGrp="1"/>
           </p:cNvSpPr>
@@ -1310,13 +1229,10 @@
         </p:spPr>
         <p:txBody>
           <a:bodyPr lIns="0" rIns="0" tIns="0" bIns="0" anchor="t">
-            <a:noAutofit/>
-          </a:bodyPr>
-          <a:p>
-            <a:endParaRPr b="0" lang="en-US" sz="2400" spc="-1" strike="noStrike">
-              <a:solidFill>
-                <a:srgbClr val="009bdd"/>
-              </a:solidFill>
+            <a:normAutofit/>
+          </a:bodyPr>
+          <a:p>
+            <a:endParaRPr b="0" lang="sk-SK" sz="3200" spc="-1" strike="noStrike">
               <a:latin typeface="Arial"/>
             </a:endParaRPr>
           </a:p>
@@ -1356,8 +1272,8 @@
         </p:nvSpPr>
         <p:spPr>
           <a:xfrm>
-            <a:off x="360000" y="180000"/>
-            <a:ext cx="9360000" cy="478080"/>
+            <a:off x="360000" y="106200"/>
+            <a:ext cx="9359640" cy="625320"/>
           </a:xfrm>
           <a:prstGeom prst="rect">
             <a:avLst/>
@@ -1375,10 +1291,7 @@
             <a:pPr algn="ctr">
               <a:buNone/>
             </a:pPr>
-            <a:endParaRPr b="0" lang="en-US" sz="3300" spc="-1" strike="noStrike">
-              <a:solidFill>
-                <a:srgbClr val="ffffff"/>
-              </a:solidFill>
+            <a:endParaRPr b="0" lang="sk-SK" sz="4400" spc="-1" strike="noStrike">
               <a:latin typeface="Arial"/>
             </a:endParaRPr>
           </a:p>
@@ -1397,7 +1310,7 @@
         <p:spPr>
           <a:xfrm>
             <a:off x="360000" y="1080000"/>
-            <a:ext cx="9360000" cy="3600000"/>
+            <a:ext cx="9359640" cy="3599640"/>
           </a:xfrm>
           <a:prstGeom prst="rect">
             <a:avLst/>
@@ -1415,10 +1328,7 @@
             <a:pPr algn="ctr">
               <a:buNone/>
             </a:pPr>
-            <a:endParaRPr b="0" lang="en-US" sz="3200" spc="-1" strike="noStrike">
-              <a:highlight>
-                <a:srgbClr val="ffffff"/>
-              </a:highlight>
+            <a:endParaRPr b="0" lang="sk-SK" sz="3200" spc="-1" strike="noStrike">
               <a:latin typeface="Arial"/>
             </a:endParaRPr>
           </a:p>
@@ -1448,7 +1358,7 @@
       </p:grpSpPr>
       <p:sp>
         <p:nvSpPr>
-          <p:cNvPr id="62" name="PlaceHolder 1"/>
+          <p:cNvPr id="59" name="PlaceHolder 1"/>
           <p:cNvSpPr>
             <a:spLocks noGrp="1"/>
           </p:cNvSpPr>
@@ -1458,8 +1368,8 @@
         </p:nvSpPr>
         <p:spPr>
           <a:xfrm>
-            <a:off x="360000" y="180000"/>
-            <a:ext cx="9360000" cy="478080"/>
+            <a:off x="360000" y="106200"/>
+            <a:ext cx="9359640" cy="625320"/>
           </a:xfrm>
           <a:prstGeom prst="rect">
             <a:avLst/>
@@ -1477,18 +1387,15 @@
             <a:pPr algn="ctr">
               <a:buNone/>
             </a:pPr>
-            <a:endParaRPr b="0" lang="en-US" sz="3300" spc="-1" strike="noStrike">
-              <a:solidFill>
-                <a:srgbClr val="ffffff"/>
-              </a:solidFill>
-              <a:latin typeface="Arial"/>
-            </a:endParaRPr>
-          </a:p>
-        </p:txBody>
-      </p:sp>
-      <p:sp>
-        <p:nvSpPr>
-          <p:cNvPr id="63" name="PlaceHolder 2"/>
+            <a:endParaRPr b="0" lang="sk-SK" sz="4400" spc="-1" strike="noStrike">
+              <a:latin typeface="Arial"/>
+            </a:endParaRPr>
+          </a:p>
+        </p:txBody>
+      </p:sp>
+      <p:sp>
+        <p:nvSpPr>
+          <p:cNvPr id="60" name="PlaceHolder 2"/>
           <p:cNvSpPr>
             <a:spLocks noGrp="1"/>
           </p:cNvSpPr>
@@ -1499,33 +1406,30 @@
         <p:spPr>
           <a:xfrm>
             <a:off x="360000" y="1080000"/>
-            <a:ext cx="4567320" cy="3600000"/>
-          </a:xfrm>
-          <a:prstGeom prst="rect">
-            <a:avLst/>
-          </a:prstGeom>
-          <a:noFill/>
-          <a:ln w="0">
-            <a:noFill/>
-          </a:ln>
-        </p:spPr>
-        <p:txBody>
-          <a:bodyPr lIns="0" rIns="0" tIns="0" bIns="0" anchor="t">
-            <a:noAutofit/>
-          </a:bodyPr>
-          <a:p>
-            <a:endParaRPr b="0" lang="en-US" sz="2400" spc="-1" strike="noStrike">
-              <a:solidFill>
-                <a:srgbClr val="009bdd"/>
-              </a:solidFill>
-              <a:latin typeface="Arial"/>
-            </a:endParaRPr>
-          </a:p>
-        </p:txBody>
-      </p:sp>
-      <p:sp>
-        <p:nvSpPr>
-          <p:cNvPr id="64" name="PlaceHolder 3"/>
+            <a:ext cx="4567320" cy="3599640"/>
+          </a:xfrm>
+          <a:prstGeom prst="rect">
+            <a:avLst/>
+          </a:prstGeom>
+          <a:noFill/>
+          <a:ln w="0">
+            <a:noFill/>
+          </a:ln>
+        </p:spPr>
+        <p:txBody>
+          <a:bodyPr lIns="0" rIns="0" tIns="0" bIns="0" anchor="t">
+            <a:normAutofit/>
+          </a:bodyPr>
+          <a:p>
+            <a:endParaRPr b="0" lang="sk-SK" sz="3200" spc="-1" strike="noStrike">
+              <a:latin typeface="Arial"/>
+            </a:endParaRPr>
+          </a:p>
+        </p:txBody>
+      </p:sp>
+      <p:sp>
+        <p:nvSpPr>
+          <p:cNvPr id="61" name="PlaceHolder 3"/>
           <p:cNvSpPr>
             <a:spLocks noGrp="1"/>
           </p:cNvSpPr>
@@ -1548,21 +1452,18 @@
         </p:spPr>
         <p:txBody>
           <a:bodyPr lIns="0" rIns="0" tIns="0" bIns="0" anchor="t">
-            <a:noAutofit/>
-          </a:bodyPr>
-          <a:p>
-            <a:endParaRPr b="0" lang="en-US" sz="2400" spc="-1" strike="noStrike">
-              <a:solidFill>
-                <a:srgbClr val="009bdd"/>
-              </a:solidFill>
-              <a:latin typeface="Arial"/>
-            </a:endParaRPr>
-          </a:p>
-        </p:txBody>
-      </p:sp>
-      <p:sp>
-        <p:nvSpPr>
-          <p:cNvPr id="65" name="PlaceHolder 4"/>
+            <a:normAutofit/>
+          </a:bodyPr>
+          <a:p>
+            <a:endParaRPr b="0" lang="sk-SK" sz="3200" spc="-1" strike="noStrike">
+              <a:latin typeface="Arial"/>
+            </a:endParaRPr>
+          </a:p>
+        </p:txBody>
+      </p:sp>
+      <p:sp>
+        <p:nvSpPr>
+          <p:cNvPr id="62" name="PlaceHolder 4"/>
           <p:cNvSpPr>
             <a:spLocks noGrp="1"/>
           </p:cNvSpPr>
@@ -1585,13 +1486,10 @@
         </p:spPr>
         <p:txBody>
           <a:bodyPr lIns="0" rIns="0" tIns="0" bIns="0" anchor="t">
-            <a:noAutofit/>
-          </a:bodyPr>
-          <a:p>
-            <a:endParaRPr b="0" lang="en-US" sz="2400" spc="-1" strike="noStrike">
-              <a:solidFill>
-                <a:srgbClr val="009bdd"/>
-              </a:solidFill>
+            <a:normAutofit/>
+          </a:bodyPr>
+          <a:p>
+            <a:endParaRPr b="0" lang="sk-SK" sz="3200" spc="-1" strike="noStrike">
               <a:latin typeface="Arial"/>
             </a:endParaRPr>
           </a:p>
@@ -1621,7 +1519,7 @@
       </p:grpSpPr>
       <p:sp>
         <p:nvSpPr>
-          <p:cNvPr id="66" name="PlaceHolder 1"/>
+          <p:cNvPr id="63" name="PlaceHolder 1"/>
           <p:cNvSpPr>
             <a:spLocks noGrp="1"/>
           </p:cNvSpPr>
@@ -1631,8 +1529,8 @@
         </p:nvSpPr>
         <p:spPr>
           <a:xfrm>
-            <a:off x="360000" y="180000"/>
-            <a:ext cx="9360000" cy="478080"/>
+            <a:off x="360000" y="106200"/>
+            <a:ext cx="9359640" cy="625320"/>
           </a:xfrm>
           <a:prstGeom prst="rect">
             <a:avLst/>
@@ -1650,18 +1548,15 @@
             <a:pPr algn="ctr">
               <a:buNone/>
             </a:pPr>
-            <a:endParaRPr b="0" lang="en-US" sz="3300" spc="-1" strike="noStrike">
-              <a:solidFill>
-                <a:srgbClr val="ffffff"/>
-              </a:solidFill>
-              <a:latin typeface="Arial"/>
-            </a:endParaRPr>
-          </a:p>
-        </p:txBody>
-      </p:sp>
-      <p:sp>
-        <p:nvSpPr>
-          <p:cNvPr id="67" name="PlaceHolder 2"/>
+            <a:endParaRPr b="0" lang="sk-SK" sz="4400" spc="-1" strike="noStrike">
+              <a:latin typeface="Arial"/>
+            </a:endParaRPr>
+          </a:p>
+        </p:txBody>
+      </p:sp>
+      <p:sp>
+        <p:nvSpPr>
+          <p:cNvPr id="64" name="PlaceHolder 2"/>
           <p:cNvSpPr>
             <a:spLocks noGrp="1"/>
           </p:cNvSpPr>
@@ -1684,21 +1579,18 @@
         </p:spPr>
         <p:txBody>
           <a:bodyPr lIns="0" rIns="0" tIns="0" bIns="0" anchor="t">
-            <a:noAutofit/>
-          </a:bodyPr>
-          <a:p>
-            <a:endParaRPr b="0" lang="en-US" sz="2400" spc="-1" strike="noStrike">
-              <a:solidFill>
-                <a:srgbClr val="009bdd"/>
-              </a:solidFill>
-              <a:latin typeface="Arial"/>
-            </a:endParaRPr>
-          </a:p>
-        </p:txBody>
-      </p:sp>
-      <p:sp>
-        <p:nvSpPr>
-          <p:cNvPr id="68" name="PlaceHolder 3"/>
+            <a:normAutofit/>
+          </a:bodyPr>
+          <a:p>
+            <a:endParaRPr b="0" lang="sk-SK" sz="3200" spc="-1" strike="noStrike">
+              <a:latin typeface="Arial"/>
+            </a:endParaRPr>
+          </a:p>
+        </p:txBody>
+      </p:sp>
+      <p:sp>
+        <p:nvSpPr>
+          <p:cNvPr id="65" name="PlaceHolder 3"/>
           <p:cNvSpPr>
             <a:spLocks noGrp="1"/>
           </p:cNvSpPr>
@@ -1721,21 +1613,18 @@
         </p:spPr>
         <p:txBody>
           <a:bodyPr lIns="0" rIns="0" tIns="0" bIns="0" anchor="t">
-            <a:noAutofit/>
-          </a:bodyPr>
-          <a:p>
-            <a:endParaRPr b="0" lang="en-US" sz="2400" spc="-1" strike="noStrike">
-              <a:solidFill>
-                <a:srgbClr val="009bdd"/>
-              </a:solidFill>
-              <a:latin typeface="Arial"/>
-            </a:endParaRPr>
-          </a:p>
-        </p:txBody>
-      </p:sp>
-      <p:sp>
-        <p:nvSpPr>
-          <p:cNvPr id="69" name="PlaceHolder 4"/>
+            <a:normAutofit/>
+          </a:bodyPr>
+          <a:p>
+            <a:endParaRPr b="0" lang="sk-SK" sz="3200" spc="-1" strike="noStrike">
+              <a:latin typeface="Arial"/>
+            </a:endParaRPr>
+          </a:p>
+        </p:txBody>
+      </p:sp>
+      <p:sp>
+        <p:nvSpPr>
+          <p:cNvPr id="66" name="PlaceHolder 4"/>
           <p:cNvSpPr>
             <a:spLocks noGrp="1"/>
           </p:cNvSpPr>
@@ -1746,25 +1635,22 @@
         <p:spPr>
           <a:xfrm>
             <a:off x="360000" y="2960280"/>
-            <a:ext cx="9360000" cy="1716840"/>
-          </a:xfrm>
-          <a:prstGeom prst="rect">
-            <a:avLst/>
-          </a:prstGeom>
-          <a:noFill/>
-          <a:ln w="0">
-            <a:noFill/>
-          </a:ln>
-        </p:spPr>
-        <p:txBody>
-          <a:bodyPr lIns="0" rIns="0" tIns="0" bIns="0" anchor="t">
-            <a:noAutofit/>
-          </a:bodyPr>
-          <a:p>
-            <a:endParaRPr b="0" lang="en-US" sz="2400" spc="-1" strike="noStrike">
-              <a:solidFill>
-                <a:srgbClr val="009bdd"/>
-              </a:solidFill>
+            <a:ext cx="9359640" cy="1716840"/>
+          </a:xfrm>
+          <a:prstGeom prst="rect">
+            <a:avLst/>
+          </a:prstGeom>
+          <a:noFill/>
+          <a:ln w="0">
+            <a:noFill/>
+          </a:ln>
+        </p:spPr>
+        <p:txBody>
+          <a:bodyPr lIns="0" rIns="0" tIns="0" bIns="0" anchor="t">
+            <a:normAutofit/>
+          </a:bodyPr>
+          <a:p>
+            <a:endParaRPr b="0" lang="sk-SK" sz="3200" spc="-1" strike="noStrike">
               <a:latin typeface="Arial"/>
             </a:endParaRPr>
           </a:p>
@@ -1794,7 +1680,7 @@
       </p:grpSpPr>
       <p:sp>
         <p:nvSpPr>
-          <p:cNvPr id="70" name="PlaceHolder 1"/>
+          <p:cNvPr id="67" name="PlaceHolder 1"/>
           <p:cNvSpPr>
             <a:spLocks noGrp="1"/>
           </p:cNvSpPr>
@@ -1804,8 +1690,8 @@
         </p:nvSpPr>
         <p:spPr>
           <a:xfrm>
-            <a:off x="360000" y="180000"/>
-            <a:ext cx="9360000" cy="478080"/>
+            <a:off x="360000" y="106200"/>
+            <a:ext cx="9359640" cy="625320"/>
           </a:xfrm>
           <a:prstGeom prst="rect">
             <a:avLst/>
@@ -1823,18 +1709,15 @@
             <a:pPr algn="ctr">
               <a:buNone/>
             </a:pPr>
-            <a:endParaRPr b="0" lang="en-US" sz="3300" spc="-1" strike="noStrike">
-              <a:solidFill>
-                <a:srgbClr val="ffffff"/>
-              </a:solidFill>
-              <a:latin typeface="Arial"/>
-            </a:endParaRPr>
-          </a:p>
-        </p:txBody>
-      </p:sp>
-      <p:sp>
-        <p:nvSpPr>
-          <p:cNvPr id="71" name="PlaceHolder 2"/>
+            <a:endParaRPr b="0" lang="sk-SK" sz="4400" spc="-1" strike="noStrike">
+              <a:latin typeface="Arial"/>
+            </a:endParaRPr>
+          </a:p>
+        </p:txBody>
+      </p:sp>
+      <p:sp>
+        <p:nvSpPr>
+          <p:cNvPr id="68" name="PlaceHolder 2"/>
           <p:cNvSpPr>
             <a:spLocks noGrp="1"/>
           </p:cNvSpPr>
@@ -1845,33 +1728,30 @@
         <p:spPr>
           <a:xfrm>
             <a:off x="360000" y="1080000"/>
-            <a:ext cx="9360000" cy="1716840"/>
-          </a:xfrm>
-          <a:prstGeom prst="rect">
-            <a:avLst/>
-          </a:prstGeom>
-          <a:noFill/>
-          <a:ln w="0">
-            <a:noFill/>
-          </a:ln>
-        </p:spPr>
-        <p:txBody>
-          <a:bodyPr lIns="0" rIns="0" tIns="0" bIns="0" anchor="t">
-            <a:noAutofit/>
-          </a:bodyPr>
-          <a:p>
-            <a:endParaRPr b="0" lang="en-US" sz="2400" spc="-1" strike="noStrike">
-              <a:solidFill>
-                <a:srgbClr val="009bdd"/>
-              </a:solidFill>
-              <a:latin typeface="Arial"/>
-            </a:endParaRPr>
-          </a:p>
-        </p:txBody>
-      </p:sp>
-      <p:sp>
-        <p:nvSpPr>
-          <p:cNvPr id="72" name="PlaceHolder 3"/>
+            <a:ext cx="9359640" cy="1716840"/>
+          </a:xfrm>
+          <a:prstGeom prst="rect">
+            <a:avLst/>
+          </a:prstGeom>
+          <a:noFill/>
+          <a:ln w="0">
+            <a:noFill/>
+          </a:ln>
+        </p:spPr>
+        <p:txBody>
+          <a:bodyPr lIns="0" rIns="0" tIns="0" bIns="0" anchor="t">
+            <a:normAutofit/>
+          </a:bodyPr>
+          <a:p>
+            <a:endParaRPr b="0" lang="sk-SK" sz="3200" spc="-1" strike="noStrike">
+              <a:latin typeface="Arial"/>
+            </a:endParaRPr>
+          </a:p>
+        </p:txBody>
+      </p:sp>
+      <p:sp>
+        <p:nvSpPr>
+          <p:cNvPr id="69" name="PlaceHolder 3"/>
           <p:cNvSpPr>
             <a:spLocks noGrp="1"/>
           </p:cNvSpPr>
@@ -1882,25 +1762,22 @@
         <p:spPr>
           <a:xfrm>
             <a:off x="360000" y="2960280"/>
-            <a:ext cx="9360000" cy="1716840"/>
-          </a:xfrm>
-          <a:prstGeom prst="rect">
-            <a:avLst/>
-          </a:prstGeom>
-          <a:noFill/>
-          <a:ln w="0">
-            <a:noFill/>
-          </a:ln>
-        </p:spPr>
-        <p:txBody>
-          <a:bodyPr lIns="0" rIns="0" tIns="0" bIns="0" anchor="t">
-            <a:noAutofit/>
-          </a:bodyPr>
-          <a:p>
-            <a:endParaRPr b="0" lang="en-US" sz="2400" spc="-1" strike="noStrike">
-              <a:solidFill>
-                <a:srgbClr val="009bdd"/>
-              </a:solidFill>
+            <a:ext cx="9359640" cy="1716840"/>
+          </a:xfrm>
+          <a:prstGeom prst="rect">
+            <a:avLst/>
+          </a:prstGeom>
+          <a:noFill/>
+          <a:ln w="0">
+            <a:noFill/>
+          </a:ln>
+        </p:spPr>
+        <p:txBody>
+          <a:bodyPr lIns="0" rIns="0" tIns="0" bIns="0" anchor="t">
+            <a:normAutofit/>
+          </a:bodyPr>
+          <a:p>
+            <a:endParaRPr b="0" lang="sk-SK" sz="3200" spc="-1" strike="noStrike">
               <a:latin typeface="Arial"/>
             </a:endParaRPr>
           </a:p>
@@ -1930,7 +1807,7 @@
       </p:grpSpPr>
       <p:sp>
         <p:nvSpPr>
-          <p:cNvPr id="73" name="PlaceHolder 1"/>
+          <p:cNvPr id="70" name="PlaceHolder 1"/>
           <p:cNvSpPr>
             <a:spLocks noGrp="1"/>
           </p:cNvSpPr>
@@ -1940,8 +1817,8 @@
         </p:nvSpPr>
         <p:spPr>
           <a:xfrm>
-            <a:off x="360000" y="180000"/>
-            <a:ext cx="9360000" cy="478080"/>
+            <a:off x="360000" y="106200"/>
+            <a:ext cx="9359640" cy="625320"/>
           </a:xfrm>
           <a:prstGeom prst="rect">
             <a:avLst/>
@@ -1959,18 +1836,15 @@
             <a:pPr algn="ctr">
               <a:buNone/>
             </a:pPr>
-            <a:endParaRPr b="0" lang="en-US" sz="3300" spc="-1" strike="noStrike">
-              <a:solidFill>
-                <a:srgbClr val="ffffff"/>
-              </a:solidFill>
-              <a:latin typeface="Arial"/>
-            </a:endParaRPr>
-          </a:p>
-        </p:txBody>
-      </p:sp>
-      <p:sp>
-        <p:nvSpPr>
-          <p:cNvPr id="74" name="PlaceHolder 2"/>
+            <a:endParaRPr b="0" lang="sk-SK" sz="4400" spc="-1" strike="noStrike">
+              <a:latin typeface="Arial"/>
+            </a:endParaRPr>
+          </a:p>
+        </p:txBody>
+      </p:sp>
+      <p:sp>
+        <p:nvSpPr>
+          <p:cNvPr id="71" name="PlaceHolder 2"/>
           <p:cNvSpPr>
             <a:spLocks noGrp="1"/>
           </p:cNvSpPr>
@@ -1993,21 +1867,18 @@
         </p:spPr>
         <p:txBody>
           <a:bodyPr lIns="0" rIns="0" tIns="0" bIns="0" anchor="t">
-            <a:noAutofit/>
-          </a:bodyPr>
-          <a:p>
-            <a:endParaRPr b="0" lang="en-US" sz="2400" spc="-1" strike="noStrike">
-              <a:solidFill>
-                <a:srgbClr val="009bdd"/>
-              </a:solidFill>
-              <a:latin typeface="Arial"/>
-            </a:endParaRPr>
-          </a:p>
-        </p:txBody>
-      </p:sp>
-      <p:sp>
-        <p:nvSpPr>
-          <p:cNvPr id="75" name="PlaceHolder 3"/>
+            <a:normAutofit/>
+          </a:bodyPr>
+          <a:p>
+            <a:endParaRPr b="0" lang="sk-SK" sz="3200" spc="-1" strike="noStrike">
+              <a:latin typeface="Arial"/>
+            </a:endParaRPr>
+          </a:p>
+        </p:txBody>
+      </p:sp>
+      <p:sp>
+        <p:nvSpPr>
+          <p:cNvPr id="72" name="PlaceHolder 3"/>
           <p:cNvSpPr>
             <a:spLocks noGrp="1"/>
           </p:cNvSpPr>
@@ -2030,21 +1901,18 @@
         </p:spPr>
         <p:txBody>
           <a:bodyPr lIns="0" rIns="0" tIns="0" bIns="0" anchor="t">
-            <a:noAutofit/>
-          </a:bodyPr>
-          <a:p>
-            <a:endParaRPr b="0" lang="en-US" sz="2400" spc="-1" strike="noStrike">
-              <a:solidFill>
-                <a:srgbClr val="009bdd"/>
-              </a:solidFill>
-              <a:latin typeface="Arial"/>
-            </a:endParaRPr>
-          </a:p>
-        </p:txBody>
-      </p:sp>
-      <p:sp>
-        <p:nvSpPr>
-          <p:cNvPr id="76" name="PlaceHolder 4"/>
+            <a:normAutofit/>
+          </a:bodyPr>
+          <a:p>
+            <a:endParaRPr b="0" lang="sk-SK" sz="3200" spc="-1" strike="noStrike">
+              <a:latin typeface="Arial"/>
+            </a:endParaRPr>
+          </a:p>
+        </p:txBody>
+      </p:sp>
+      <p:sp>
+        <p:nvSpPr>
+          <p:cNvPr id="73" name="PlaceHolder 4"/>
           <p:cNvSpPr>
             <a:spLocks noGrp="1"/>
           </p:cNvSpPr>
@@ -2067,21 +1935,18 @@
         </p:spPr>
         <p:txBody>
           <a:bodyPr lIns="0" rIns="0" tIns="0" bIns="0" anchor="t">
-            <a:noAutofit/>
-          </a:bodyPr>
-          <a:p>
-            <a:endParaRPr b="0" lang="en-US" sz="2400" spc="-1" strike="noStrike">
-              <a:solidFill>
-                <a:srgbClr val="009bdd"/>
-              </a:solidFill>
-              <a:latin typeface="Arial"/>
-            </a:endParaRPr>
-          </a:p>
-        </p:txBody>
-      </p:sp>
-      <p:sp>
-        <p:nvSpPr>
-          <p:cNvPr id="77" name="PlaceHolder 5"/>
+            <a:normAutofit/>
+          </a:bodyPr>
+          <a:p>
+            <a:endParaRPr b="0" lang="sk-SK" sz="3200" spc="-1" strike="noStrike">
+              <a:latin typeface="Arial"/>
+            </a:endParaRPr>
+          </a:p>
+        </p:txBody>
+      </p:sp>
+      <p:sp>
+        <p:nvSpPr>
+          <p:cNvPr id="74" name="PlaceHolder 5"/>
           <p:cNvSpPr>
             <a:spLocks noGrp="1"/>
           </p:cNvSpPr>
@@ -2104,13 +1969,10 @@
         </p:spPr>
         <p:txBody>
           <a:bodyPr lIns="0" rIns="0" tIns="0" bIns="0" anchor="t">
-            <a:noAutofit/>
-          </a:bodyPr>
-          <a:p>
-            <a:endParaRPr b="0" lang="en-US" sz="2400" spc="-1" strike="noStrike">
-              <a:solidFill>
-                <a:srgbClr val="009bdd"/>
-              </a:solidFill>
+            <a:normAutofit/>
+          </a:bodyPr>
+          <a:p>
+            <a:endParaRPr b="0" lang="sk-SK" sz="3200" spc="-1" strike="noStrike">
               <a:latin typeface="Arial"/>
             </a:endParaRPr>
           </a:p>
@@ -2140,7 +2002,7 @@
       </p:grpSpPr>
       <p:sp>
         <p:nvSpPr>
-          <p:cNvPr id="78" name="PlaceHolder 1"/>
+          <p:cNvPr id="75" name="PlaceHolder 1"/>
           <p:cNvSpPr>
             <a:spLocks noGrp="1"/>
           </p:cNvSpPr>
@@ -2150,8 +2012,8 @@
         </p:nvSpPr>
         <p:spPr>
           <a:xfrm>
-            <a:off x="360000" y="180000"/>
-            <a:ext cx="9360000" cy="478080"/>
+            <a:off x="360000" y="106200"/>
+            <a:ext cx="9359640" cy="625320"/>
           </a:xfrm>
           <a:prstGeom prst="rect">
             <a:avLst/>
@@ -2169,18 +2031,15 @@
             <a:pPr algn="ctr">
               <a:buNone/>
             </a:pPr>
-            <a:endParaRPr b="0" lang="en-US" sz="3300" spc="-1" strike="noStrike">
-              <a:solidFill>
-                <a:srgbClr val="ffffff"/>
-              </a:solidFill>
-              <a:latin typeface="Arial"/>
-            </a:endParaRPr>
-          </a:p>
-        </p:txBody>
-      </p:sp>
-      <p:sp>
-        <p:nvSpPr>
-          <p:cNvPr id="79" name="PlaceHolder 2"/>
+            <a:endParaRPr b="0" lang="sk-SK" sz="4400" spc="-1" strike="noStrike">
+              <a:latin typeface="Arial"/>
+            </a:endParaRPr>
+          </a:p>
+        </p:txBody>
+      </p:sp>
+      <p:sp>
+        <p:nvSpPr>
+          <p:cNvPr id="76" name="PlaceHolder 2"/>
           <p:cNvSpPr>
             <a:spLocks noGrp="1"/>
           </p:cNvSpPr>
@@ -2203,21 +2062,18 @@
         </p:spPr>
         <p:txBody>
           <a:bodyPr lIns="0" rIns="0" tIns="0" bIns="0" anchor="t">
-            <a:noAutofit/>
-          </a:bodyPr>
-          <a:p>
-            <a:endParaRPr b="0" lang="en-US" sz="2400" spc="-1" strike="noStrike">
-              <a:solidFill>
-                <a:srgbClr val="009bdd"/>
-              </a:solidFill>
-              <a:latin typeface="Arial"/>
-            </a:endParaRPr>
-          </a:p>
-        </p:txBody>
-      </p:sp>
-      <p:sp>
-        <p:nvSpPr>
-          <p:cNvPr id="80" name="PlaceHolder 3"/>
+            <a:normAutofit/>
+          </a:bodyPr>
+          <a:p>
+            <a:endParaRPr b="0" lang="sk-SK" sz="3200" spc="-1" strike="noStrike">
+              <a:latin typeface="Arial"/>
+            </a:endParaRPr>
+          </a:p>
+        </p:txBody>
+      </p:sp>
+      <p:sp>
+        <p:nvSpPr>
+          <p:cNvPr id="77" name="PlaceHolder 3"/>
           <p:cNvSpPr>
             <a:spLocks noGrp="1"/>
           </p:cNvSpPr>
@@ -2240,21 +2096,18 @@
         </p:spPr>
         <p:txBody>
           <a:bodyPr lIns="0" rIns="0" tIns="0" bIns="0" anchor="t">
-            <a:noAutofit/>
-          </a:bodyPr>
-          <a:p>
-            <a:endParaRPr b="0" lang="en-US" sz="2400" spc="-1" strike="noStrike">
-              <a:solidFill>
-                <a:srgbClr val="009bdd"/>
-              </a:solidFill>
-              <a:latin typeface="Arial"/>
-            </a:endParaRPr>
-          </a:p>
-        </p:txBody>
-      </p:sp>
-      <p:sp>
-        <p:nvSpPr>
-          <p:cNvPr id="81" name="PlaceHolder 4"/>
+            <a:normAutofit/>
+          </a:bodyPr>
+          <a:p>
+            <a:endParaRPr b="0" lang="sk-SK" sz="3200" spc="-1" strike="noStrike">
+              <a:latin typeface="Arial"/>
+            </a:endParaRPr>
+          </a:p>
+        </p:txBody>
+      </p:sp>
+      <p:sp>
+        <p:nvSpPr>
+          <p:cNvPr id="78" name="PlaceHolder 4"/>
           <p:cNvSpPr>
             <a:spLocks noGrp="1"/>
           </p:cNvSpPr>
@@ -2277,21 +2130,18 @@
         </p:spPr>
         <p:txBody>
           <a:bodyPr lIns="0" rIns="0" tIns="0" bIns="0" anchor="t">
-            <a:noAutofit/>
-          </a:bodyPr>
-          <a:p>
-            <a:endParaRPr b="0" lang="en-US" sz="2400" spc="-1" strike="noStrike">
-              <a:solidFill>
-                <a:srgbClr val="009bdd"/>
-              </a:solidFill>
-              <a:latin typeface="Arial"/>
-            </a:endParaRPr>
-          </a:p>
-        </p:txBody>
-      </p:sp>
-      <p:sp>
-        <p:nvSpPr>
-          <p:cNvPr id="82" name="PlaceHolder 5"/>
+            <a:normAutofit/>
+          </a:bodyPr>
+          <a:p>
+            <a:endParaRPr b="0" lang="sk-SK" sz="3200" spc="-1" strike="noStrike">
+              <a:latin typeface="Arial"/>
+            </a:endParaRPr>
+          </a:p>
+        </p:txBody>
+      </p:sp>
+      <p:sp>
+        <p:nvSpPr>
+          <p:cNvPr id="79" name="PlaceHolder 5"/>
           <p:cNvSpPr>
             <a:spLocks noGrp="1"/>
           </p:cNvSpPr>
@@ -2314,21 +2164,18 @@
         </p:spPr>
         <p:txBody>
           <a:bodyPr lIns="0" rIns="0" tIns="0" bIns="0" anchor="t">
-            <a:noAutofit/>
-          </a:bodyPr>
-          <a:p>
-            <a:endParaRPr b="0" lang="en-US" sz="2400" spc="-1" strike="noStrike">
-              <a:solidFill>
-                <a:srgbClr val="009bdd"/>
-              </a:solidFill>
-              <a:latin typeface="Arial"/>
-            </a:endParaRPr>
-          </a:p>
-        </p:txBody>
-      </p:sp>
-      <p:sp>
-        <p:nvSpPr>
-          <p:cNvPr id="83" name="PlaceHolder 6"/>
+            <a:normAutofit/>
+          </a:bodyPr>
+          <a:p>
+            <a:endParaRPr b="0" lang="sk-SK" sz="3200" spc="-1" strike="noStrike">
+              <a:latin typeface="Arial"/>
+            </a:endParaRPr>
+          </a:p>
+        </p:txBody>
+      </p:sp>
+      <p:sp>
+        <p:nvSpPr>
+          <p:cNvPr id="80" name="PlaceHolder 6"/>
           <p:cNvSpPr>
             <a:spLocks noGrp="1"/>
           </p:cNvSpPr>
@@ -2351,21 +2198,18 @@
         </p:spPr>
         <p:txBody>
           <a:bodyPr lIns="0" rIns="0" tIns="0" bIns="0" anchor="t">
-            <a:noAutofit/>
-          </a:bodyPr>
-          <a:p>
-            <a:endParaRPr b="0" lang="en-US" sz="2400" spc="-1" strike="noStrike">
-              <a:solidFill>
-                <a:srgbClr val="009bdd"/>
-              </a:solidFill>
-              <a:latin typeface="Arial"/>
-            </a:endParaRPr>
-          </a:p>
-        </p:txBody>
-      </p:sp>
-      <p:sp>
-        <p:nvSpPr>
-          <p:cNvPr id="84" name="PlaceHolder 7"/>
+            <a:normAutofit/>
+          </a:bodyPr>
+          <a:p>
+            <a:endParaRPr b="0" lang="sk-SK" sz="3200" spc="-1" strike="noStrike">
+              <a:latin typeface="Arial"/>
+            </a:endParaRPr>
+          </a:p>
+        </p:txBody>
+      </p:sp>
+      <p:sp>
+        <p:nvSpPr>
+          <p:cNvPr id="81" name="PlaceHolder 7"/>
           <p:cNvSpPr>
             <a:spLocks noGrp="1"/>
           </p:cNvSpPr>
@@ -2388,13 +2232,10 @@
         </p:spPr>
         <p:txBody>
           <a:bodyPr lIns="0" rIns="0" tIns="0" bIns="0" anchor="t">
-            <a:noAutofit/>
-          </a:bodyPr>
-          <a:p>
-            <a:endParaRPr b="0" lang="en-US" sz="2400" spc="-1" strike="noStrike">
-              <a:solidFill>
-                <a:srgbClr val="009bdd"/>
-              </a:solidFill>
+            <a:normAutofit/>
+          </a:bodyPr>
+          <a:p>
+            <a:endParaRPr b="0" lang="sk-SK" sz="3200" spc="-1" strike="noStrike">
               <a:latin typeface="Arial"/>
             </a:endParaRPr>
           </a:p>
@@ -2434,8 +2275,8 @@
         </p:nvSpPr>
         <p:spPr>
           <a:xfrm>
-            <a:off x="360000" y="180000"/>
-            <a:ext cx="9360000" cy="478080"/>
+            <a:off x="360000" y="106200"/>
+            <a:ext cx="9359640" cy="625320"/>
           </a:xfrm>
           <a:prstGeom prst="rect">
             <a:avLst/>
@@ -2453,10 +2294,7 @@
             <a:pPr algn="ctr">
               <a:buNone/>
             </a:pPr>
-            <a:endParaRPr b="0" lang="en-US" sz="3300" spc="-1" strike="noStrike">
-              <a:solidFill>
-                <a:srgbClr val="ffffff"/>
-              </a:solidFill>
+            <a:endParaRPr b="0" lang="sk-SK" sz="4400" spc="-1" strike="noStrike">
               <a:latin typeface="Arial"/>
             </a:endParaRPr>
           </a:p>
@@ -2475,25 +2313,22 @@
         <p:spPr>
           <a:xfrm>
             <a:off x="360000" y="1080000"/>
-            <a:ext cx="9360000" cy="3600000"/>
-          </a:xfrm>
-          <a:prstGeom prst="rect">
-            <a:avLst/>
-          </a:prstGeom>
-          <a:noFill/>
-          <a:ln w="0">
-            <a:noFill/>
-          </a:ln>
-        </p:spPr>
-        <p:txBody>
-          <a:bodyPr lIns="0" rIns="0" tIns="0" bIns="0" anchor="t">
-            <a:noAutofit/>
-          </a:bodyPr>
-          <a:p>
-            <a:endParaRPr b="0" lang="en-US" sz="2400" spc="-1" strike="noStrike">
-              <a:solidFill>
-                <a:srgbClr val="009bdd"/>
-              </a:solidFill>
+            <a:ext cx="9359640" cy="3599640"/>
+          </a:xfrm>
+          <a:prstGeom prst="rect">
+            <a:avLst/>
+          </a:prstGeom>
+          <a:noFill/>
+          <a:ln w="0">
+            <a:noFill/>
+          </a:ln>
+        </p:spPr>
+        <p:txBody>
+          <a:bodyPr lIns="0" rIns="0" tIns="0" bIns="0" anchor="t">
+            <a:normAutofit/>
+          </a:bodyPr>
+          <a:p>
+            <a:endParaRPr b="0" lang="sk-SK" sz="3200" spc="-1" strike="noStrike">
               <a:latin typeface="Arial"/>
             </a:endParaRPr>
           </a:p>
@@ -2533,8 +2368,8 @@
         </p:nvSpPr>
         <p:spPr>
           <a:xfrm>
-            <a:off x="360000" y="180000"/>
-            <a:ext cx="9360000" cy="478080"/>
+            <a:off x="360000" y="106200"/>
+            <a:ext cx="9359640" cy="625320"/>
           </a:xfrm>
           <a:prstGeom prst="rect">
             <a:avLst/>
@@ -2552,10 +2387,7 @@
             <a:pPr algn="ctr">
               <a:buNone/>
             </a:pPr>
-            <a:endParaRPr b="0" lang="en-US" sz="3300" spc="-1" strike="noStrike">
-              <a:solidFill>
-                <a:srgbClr val="ffffff"/>
-              </a:solidFill>
+            <a:endParaRPr b="0" lang="sk-SK" sz="4400" spc="-1" strike="noStrike">
               <a:latin typeface="Arial"/>
             </a:endParaRPr>
           </a:p>
@@ -2574,25 +2406,22 @@
         <p:spPr>
           <a:xfrm>
             <a:off x="360000" y="1080000"/>
-            <a:ext cx="4567320" cy="3600000"/>
-          </a:xfrm>
-          <a:prstGeom prst="rect">
-            <a:avLst/>
-          </a:prstGeom>
-          <a:noFill/>
-          <a:ln w="0">
-            <a:noFill/>
-          </a:ln>
-        </p:spPr>
-        <p:txBody>
-          <a:bodyPr lIns="0" rIns="0" tIns="0" bIns="0" anchor="t">
-            <a:noAutofit/>
-          </a:bodyPr>
-          <a:p>
-            <a:endParaRPr b="0" lang="en-US" sz="2400" spc="-1" strike="noStrike">
-              <a:solidFill>
-                <a:srgbClr val="009bdd"/>
-              </a:solidFill>
+            <a:ext cx="4567320" cy="3599640"/>
+          </a:xfrm>
+          <a:prstGeom prst="rect">
+            <a:avLst/>
+          </a:prstGeom>
+          <a:noFill/>
+          <a:ln w="0">
+            <a:noFill/>
+          </a:ln>
+        </p:spPr>
+        <p:txBody>
+          <a:bodyPr lIns="0" rIns="0" tIns="0" bIns="0" anchor="t">
+            <a:normAutofit/>
+          </a:bodyPr>
+          <a:p>
+            <a:endParaRPr b="0" lang="sk-SK" sz="3200" spc="-1" strike="noStrike">
               <a:latin typeface="Arial"/>
             </a:endParaRPr>
           </a:p>
@@ -2611,25 +2440,22 @@
         <p:spPr>
           <a:xfrm>
             <a:off x="5155920" y="1080000"/>
-            <a:ext cx="4567320" cy="3600000"/>
-          </a:xfrm>
-          <a:prstGeom prst="rect">
-            <a:avLst/>
-          </a:prstGeom>
-          <a:noFill/>
-          <a:ln w="0">
-            <a:noFill/>
-          </a:ln>
-        </p:spPr>
-        <p:txBody>
-          <a:bodyPr lIns="0" rIns="0" tIns="0" bIns="0" anchor="t">
-            <a:noAutofit/>
-          </a:bodyPr>
-          <a:p>
-            <a:endParaRPr b="0" lang="en-US" sz="2400" spc="-1" strike="noStrike">
-              <a:solidFill>
-                <a:srgbClr val="009bdd"/>
-              </a:solidFill>
+            <a:ext cx="4567320" cy="3599640"/>
+          </a:xfrm>
+          <a:prstGeom prst="rect">
+            <a:avLst/>
+          </a:prstGeom>
+          <a:noFill/>
+          <a:ln w="0">
+            <a:noFill/>
+          </a:ln>
+        </p:spPr>
+        <p:txBody>
+          <a:bodyPr lIns="0" rIns="0" tIns="0" bIns="0" anchor="t">
+            <a:normAutofit/>
+          </a:bodyPr>
+          <a:p>
+            <a:endParaRPr b="0" lang="sk-SK" sz="3200" spc="-1" strike="noStrike">
               <a:latin typeface="Arial"/>
             </a:endParaRPr>
           </a:p>
@@ -2669,8 +2495,8 @@
         </p:nvSpPr>
         <p:spPr>
           <a:xfrm>
-            <a:off x="360000" y="180000"/>
-            <a:ext cx="9360000" cy="478080"/>
+            <a:off x="360000" y="106200"/>
+            <a:ext cx="9359640" cy="625320"/>
           </a:xfrm>
           <a:prstGeom prst="rect">
             <a:avLst/>
@@ -2688,10 +2514,7 @@
             <a:pPr algn="ctr">
               <a:buNone/>
             </a:pPr>
-            <a:endParaRPr b="0" lang="en-US" sz="3300" spc="-1" strike="noStrike">
-              <a:solidFill>
-                <a:srgbClr val="ffffff"/>
-              </a:solidFill>
+            <a:endParaRPr b="0" lang="sk-SK" sz="4400" spc="-1" strike="noStrike">
               <a:latin typeface="Arial"/>
             </a:endParaRPr>
           </a:p>
@@ -2732,7 +2555,7 @@
         <p:spPr>
           <a:xfrm>
             <a:off x="360000" y="180000"/>
-            <a:ext cx="9360000" cy="2217240"/>
+            <a:ext cx="9359640" cy="2215800"/>
           </a:xfrm>
           <a:prstGeom prst="rect">
             <a:avLst/>
@@ -2750,10 +2573,7 @@
             <a:pPr algn="ctr">
               <a:buNone/>
             </a:pPr>
-            <a:endParaRPr b="0" lang="en-US" sz="3200" spc="-1" strike="noStrike">
-              <a:highlight>
-                <a:srgbClr val="ffffff"/>
-              </a:highlight>
+            <a:endParaRPr b="0" lang="sk-SK" sz="3200" spc="-1" strike="noStrike">
               <a:latin typeface="Arial"/>
             </a:endParaRPr>
           </a:p>
@@ -2793,8 +2613,8 @@
         </p:nvSpPr>
         <p:spPr>
           <a:xfrm>
-            <a:off x="360000" y="180000"/>
-            <a:ext cx="9360000" cy="478080"/>
+            <a:off x="360000" y="106200"/>
+            <a:ext cx="9359640" cy="625320"/>
           </a:xfrm>
           <a:prstGeom prst="rect">
             <a:avLst/>
@@ -2812,10 +2632,7 @@
             <a:pPr algn="ctr">
               <a:buNone/>
             </a:pPr>
-            <a:endParaRPr b="0" lang="en-US" sz="3300" spc="-1" strike="noStrike">
-              <a:solidFill>
-                <a:srgbClr val="ffffff"/>
-              </a:solidFill>
+            <a:endParaRPr b="0" lang="sk-SK" sz="4400" spc="-1" strike="noStrike">
               <a:latin typeface="Arial"/>
             </a:endParaRPr>
           </a:p>
@@ -2846,13 +2663,10 @@
         </p:spPr>
         <p:txBody>
           <a:bodyPr lIns="0" rIns="0" tIns="0" bIns="0" anchor="t">
-            <a:noAutofit/>
-          </a:bodyPr>
-          <a:p>
-            <a:endParaRPr b="0" lang="en-US" sz="2400" spc="-1" strike="noStrike">
-              <a:solidFill>
-                <a:srgbClr val="009bdd"/>
-              </a:solidFill>
+            <a:normAutofit/>
+          </a:bodyPr>
+          <a:p>
+            <a:endParaRPr b="0" lang="sk-SK" sz="3200" spc="-1" strike="noStrike">
               <a:latin typeface="Arial"/>
             </a:endParaRPr>
           </a:p>
@@ -2871,25 +2685,22 @@
         <p:spPr>
           <a:xfrm>
             <a:off x="5155920" y="1080000"/>
-            <a:ext cx="4567320" cy="3600000"/>
-          </a:xfrm>
-          <a:prstGeom prst="rect">
-            <a:avLst/>
-          </a:prstGeom>
-          <a:noFill/>
-          <a:ln w="0">
-            <a:noFill/>
-          </a:ln>
-        </p:spPr>
-        <p:txBody>
-          <a:bodyPr lIns="0" rIns="0" tIns="0" bIns="0" anchor="t">
-            <a:noAutofit/>
-          </a:bodyPr>
-          <a:p>
-            <a:endParaRPr b="0" lang="en-US" sz="2400" spc="-1" strike="noStrike">
-              <a:solidFill>
-                <a:srgbClr val="009bdd"/>
-              </a:solidFill>
+            <a:ext cx="4567320" cy="3599640"/>
+          </a:xfrm>
+          <a:prstGeom prst="rect">
+            <a:avLst/>
+          </a:prstGeom>
+          <a:noFill/>
+          <a:ln w="0">
+            <a:noFill/>
+          </a:ln>
+        </p:spPr>
+        <p:txBody>
+          <a:bodyPr lIns="0" rIns="0" tIns="0" bIns="0" anchor="t">
+            <a:normAutofit/>
+          </a:bodyPr>
+          <a:p>
+            <a:endParaRPr b="0" lang="sk-SK" sz="3200" spc="-1" strike="noStrike">
               <a:latin typeface="Arial"/>
             </a:endParaRPr>
           </a:p>
@@ -2920,13 +2731,10 @@
         </p:spPr>
         <p:txBody>
           <a:bodyPr lIns="0" rIns="0" tIns="0" bIns="0" anchor="t">
-            <a:noAutofit/>
-          </a:bodyPr>
-          <a:p>
-            <a:endParaRPr b="0" lang="en-US" sz="2400" spc="-1" strike="noStrike">
-              <a:solidFill>
-                <a:srgbClr val="009bdd"/>
-              </a:solidFill>
+            <a:normAutofit/>
+          </a:bodyPr>
+          <a:p>
+            <a:endParaRPr b="0" lang="sk-SK" sz="3200" spc="-1" strike="noStrike">
               <a:latin typeface="Arial"/>
             </a:endParaRPr>
           </a:p>
@@ -2966,8 +2774,8 @@
         </p:nvSpPr>
         <p:spPr>
           <a:xfrm>
-            <a:off x="360000" y="180000"/>
-            <a:ext cx="9360000" cy="478080"/>
+            <a:off x="360000" y="106200"/>
+            <a:ext cx="9359640" cy="625320"/>
           </a:xfrm>
           <a:prstGeom prst="rect">
             <a:avLst/>
@@ -2985,10 +2793,7 @@
             <a:pPr algn="ctr">
               <a:buNone/>
             </a:pPr>
-            <a:endParaRPr b="0" lang="en-US" sz="3300" spc="-1" strike="noStrike">
-              <a:solidFill>
-                <a:srgbClr val="ffffff"/>
-              </a:solidFill>
+            <a:endParaRPr b="0" lang="sk-SK" sz="4400" spc="-1" strike="noStrike">
               <a:latin typeface="Arial"/>
             </a:endParaRPr>
           </a:p>
@@ -3007,25 +2812,22 @@
         <p:spPr>
           <a:xfrm>
             <a:off x="360000" y="1080000"/>
-            <a:ext cx="4567320" cy="3600000"/>
-          </a:xfrm>
-          <a:prstGeom prst="rect">
-            <a:avLst/>
-          </a:prstGeom>
-          <a:noFill/>
-          <a:ln w="0">
-            <a:noFill/>
-          </a:ln>
-        </p:spPr>
-        <p:txBody>
-          <a:bodyPr lIns="0" rIns="0" tIns="0" bIns="0" anchor="t">
-            <a:noAutofit/>
-          </a:bodyPr>
-          <a:p>
-            <a:endParaRPr b="0" lang="en-US" sz="2400" spc="-1" strike="noStrike">
-              <a:solidFill>
-                <a:srgbClr val="009bdd"/>
-              </a:solidFill>
+            <a:ext cx="4567320" cy="3599640"/>
+          </a:xfrm>
+          <a:prstGeom prst="rect">
+            <a:avLst/>
+          </a:prstGeom>
+          <a:noFill/>
+          <a:ln w="0">
+            <a:noFill/>
+          </a:ln>
+        </p:spPr>
+        <p:txBody>
+          <a:bodyPr lIns="0" rIns="0" tIns="0" bIns="0" anchor="t">
+            <a:normAutofit/>
+          </a:bodyPr>
+          <a:p>
+            <a:endParaRPr b="0" lang="sk-SK" sz="3200" spc="-1" strike="noStrike">
               <a:latin typeface="Arial"/>
             </a:endParaRPr>
           </a:p>
@@ -3056,13 +2858,10 @@
         </p:spPr>
         <p:txBody>
           <a:bodyPr lIns="0" rIns="0" tIns="0" bIns="0" anchor="t">
-            <a:noAutofit/>
-          </a:bodyPr>
-          <a:p>
-            <a:endParaRPr b="0" lang="en-US" sz="2400" spc="-1" strike="noStrike">
-              <a:solidFill>
-                <a:srgbClr val="009bdd"/>
-              </a:solidFill>
+            <a:normAutofit/>
+          </a:bodyPr>
+          <a:p>
+            <a:endParaRPr b="0" lang="sk-SK" sz="3200" spc="-1" strike="noStrike">
               <a:latin typeface="Arial"/>
             </a:endParaRPr>
           </a:p>
@@ -3093,13 +2892,10 @@
         </p:spPr>
         <p:txBody>
           <a:bodyPr lIns="0" rIns="0" tIns="0" bIns="0" anchor="t">
-            <a:noAutofit/>
-          </a:bodyPr>
-          <a:p>
-            <a:endParaRPr b="0" lang="en-US" sz="2400" spc="-1" strike="noStrike">
-              <a:solidFill>
-                <a:srgbClr val="009bdd"/>
-              </a:solidFill>
+            <a:normAutofit/>
+          </a:bodyPr>
+          <a:p>
+            <a:endParaRPr b="0" lang="sk-SK" sz="3200" spc="-1" strike="noStrike">
               <a:latin typeface="Arial"/>
             </a:endParaRPr>
           </a:p>
@@ -3139,8 +2935,8 @@
         </p:nvSpPr>
         <p:spPr>
           <a:xfrm>
-            <a:off x="360000" y="180000"/>
-            <a:ext cx="9360000" cy="478080"/>
+            <a:off x="360000" y="106200"/>
+            <a:ext cx="9359640" cy="625320"/>
           </a:xfrm>
           <a:prstGeom prst="rect">
             <a:avLst/>
@@ -3158,10 +2954,7 @@
             <a:pPr algn="ctr">
               <a:buNone/>
             </a:pPr>
-            <a:endParaRPr b="0" lang="en-US" sz="3300" spc="-1" strike="noStrike">
-              <a:solidFill>
-                <a:srgbClr val="ffffff"/>
-              </a:solidFill>
+            <a:endParaRPr b="0" lang="sk-SK" sz="4400" spc="-1" strike="noStrike">
               <a:latin typeface="Arial"/>
             </a:endParaRPr>
           </a:p>
@@ -3192,13 +2985,10 @@
         </p:spPr>
         <p:txBody>
           <a:bodyPr lIns="0" rIns="0" tIns="0" bIns="0" anchor="t">
-            <a:noAutofit/>
-          </a:bodyPr>
-          <a:p>
-            <a:endParaRPr b="0" lang="en-US" sz="2400" spc="-1" strike="noStrike">
-              <a:solidFill>
-                <a:srgbClr val="009bdd"/>
-              </a:solidFill>
+            <a:normAutofit/>
+          </a:bodyPr>
+          <a:p>
+            <a:endParaRPr b="0" lang="sk-SK" sz="3200" spc="-1" strike="noStrike">
               <a:latin typeface="Arial"/>
             </a:endParaRPr>
           </a:p>
@@ -3229,13 +3019,10 @@
         </p:spPr>
         <p:txBody>
           <a:bodyPr lIns="0" rIns="0" tIns="0" bIns="0" anchor="t">
-            <a:noAutofit/>
-          </a:bodyPr>
-          <a:p>
-            <a:endParaRPr b="0" lang="en-US" sz="2400" spc="-1" strike="noStrike">
-              <a:solidFill>
-                <a:srgbClr val="009bdd"/>
-              </a:solidFill>
+            <a:normAutofit/>
+          </a:bodyPr>
+          <a:p>
+            <a:endParaRPr b="0" lang="sk-SK" sz="3200" spc="-1" strike="noStrike">
               <a:latin typeface="Arial"/>
             </a:endParaRPr>
           </a:p>
@@ -3254,25 +3041,22 @@
         <p:spPr>
           <a:xfrm>
             <a:off x="360000" y="2960280"/>
-            <a:ext cx="9360000" cy="1716840"/>
-          </a:xfrm>
-          <a:prstGeom prst="rect">
-            <a:avLst/>
-          </a:prstGeom>
-          <a:noFill/>
-          <a:ln w="0">
-            <a:noFill/>
-          </a:ln>
-        </p:spPr>
-        <p:txBody>
-          <a:bodyPr lIns="0" rIns="0" tIns="0" bIns="0" anchor="t">
-            <a:noAutofit/>
-          </a:bodyPr>
-          <a:p>
-            <a:endParaRPr b="0" lang="en-US" sz="2400" spc="-1" strike="noStrike">
-              <a:solidFill>
-                <a:srgbClr val="009bdd"/>
-              </a:solidFill>
+            <a:ext cx="9359640" cy="1716840"/>
+          </a:xfrm>
+          <a:prstGeom prst="rect">
+            <a:avLst/>
+          </a:prstGeom>
+          <a:noFill/>
+          <a:ln w="0">
+            <a:noFill/>
+          </a:ln>
+        </p:spPr>
+        <p:txBody>
+          <a:bodyPr lIns="0" rIns="0" tIns="0" bIns="0" anchor="t">
+            <a:normAutofit/>
+          </a:bodyPr>
+          <a:p>
+            <a:endParaRPr b="0" lang="sk-SK" sz="3200" spc="-1" strike="noStrike">
               <a:latin typeface="Arial"/>
             </a:endParaRPr>
           </a:p>
@@ -3308,8 +3092,8 @@
         </p:nvSpPr>
         <p:spPr>
           <a:xfrm flipH="1" flipV="1">
-            <a:off x="0" y="4500000"/>
-            <a:ext cx="10080000" cy="1170000"/>
+            <a:off x="-720" y="4499280"/>
+            <a:ext cx="10079640" cy="1169640"/>
           </a:xfrm>
           <a:prstGeom prst="flowChartDocument">
             <a:avLst/>
@@ -3323,13 +3107,13 @@
                 <a:srgbClr val="009bdd"/>
               </a:gs>
             </a:gsLst>
-            <a:lin ang="10800000"/>
+            <a:lin ang="0"/>
           </a:gradFill>
           <a:ln w="18000">
             <a:noFill/>
           </a:ln>
           <a:effectLst>
-            <a:outerShdw dist="10800" dir="5400000" blurRad="0" rotWithShape="0">
+            <a:outerShdw blurRad="0" dir="5400000" dist="10800" rotWithShape="0">
               <a:srgbClr val="009bdd"/>
             </a:outerShdw>
           </a:effectLst>
@@ -3343,302 +3127,40 @@
       </p:sp>
       <p:sp>
         <p:nvSpPr>
-          <p:cNvPr id="1" name="PlaceHolder 1"/>
-          <p:cNvSpPr>
-            <a:spLocks noGrp="1"/>
-          </p:cNvSpPr>
-          <p:nvPr>
-            <p:ph type="title"/>
-          </p:nvPr>
-        </p:nvSpPr>
-        <p:spPr>
-          <a:xfrm>
-            <a:off x="0" y="1620000"/>
-            <a:ext cx="9000000" cy="1080000"/>
-          </a:xfrm>
-          <a:prstGeom prst="rect">
-            <a:avLst/>
-          </a:prstGeom>
-          <a:noFill/>
-          <a:ln w="0">
-            <a:noFill/>
-          </a:ln>
-        </p:spPr>
-        <p:txBody>
-          <a:bodyPr lIns="0" rIns="0" tIns="0" bIns="0" anchor="ctr">
+          <p:cNvPr id="1" name=""/>
+          <p:cNvSpPr/>
+          <p:nvPr/>
+        </p:nvSpPr>
+        <p:spPr>
+          <a:xfrm>
+            <a:off x="360000" y="5220000"/>
+            <a:ext cx="2339640" cy="359640"/>
+          </a:xfrm>
+          <a:prstGeom prst="rect">
+            <a:avLst/>
+          </a:prstGeom>
+          <a:noFill/>
+          <a:ln w="0">
+            <a:noFill/>
+          </a:ln>
+        </p:spPr>
+        <p:style>
+          <a:lnRef idx="0"/>
+          <a:fillRef idx="0"/>
+          <a:effectRef idx="0"/>
+          <a:fontRef idx="minor"/>
+        </p:style>
+        <p:txBody>
+          <a:bodyPr lIns="0" rIns="0" tIns="0" bIns="0" anchor="t">
             <a:noAutofit/>
           </a:bodyPr>
           <a:p>
-            <a:pPr algn="ctr">
+            <a:pPr>
+              <a:lnSpc>
+                <a:spcPct val="100000"/>
+              </a:lnSpc>
               <a:buNone/>
             </a:pPr>
-            <a:r>
-              <a:rPr b="0" lang="en-US" sz="3300" spc="-1" strike="noStrike">
-                <a:solidFill>
-                  <a:srgbClr val="dd4100"/>
-                </a:solidFill>
-                <a:latin typeface="Arial"/>
-              </a:rPr>
-              <a:t>Click to edit the title text format</a:t>
-            </a:r>
-            <a:endParaRPr b="0" lang="en-US" sz="3300" spc="-1" strike="noStrike">
-              <a:solidFill>
-                <a:srgbClr val="dd4100"/>
-              </a:solidFill>
-              <a:latin typeface="Arial"/>
-            </a:endParaRPr>
-          </a:p>
-        </p:txBody>
-      </p:sp>
-      <p:sp>
-        <p:nvSpPr>
-          <p:cNvPr id="2" name="PlaceHolder 2"/>
-          <p:cNvSpPr>
-            <a:spLocks noGrp="1"/>
-          </p:cNvSpPr>
-          <p:nvPr>
-            <p:ph type="body"/>
-          </p:nvPr>
-        </p:nvSpPr>
-        <p:spPr>
-          <a:xfrm>
-            <a:off x="360000" y="2880000"/>
-            <a:ext cx="9360000" cy="1620000"/>
-          </a:xfrm>
-          <a:prstGeom prst="rect">
-            <a:avLst/>
-          </a:prstGeom>
-          <a:noFill/>
-          <a:ln w="0">
-            <a:noFill/>
-          </a:ln>
-        </p:spPr>
-        <p:txBody>
-          <a:bodyPr lIns="0" rIns="0" tIns="0" bIns="0" anchor="t">
-            <a:normAutofit fontScale="78000"/>
-          </a:bodyPr>
-          <a:p>
-            <a:pPr marL="432000" indent="-324000">
-              <a:spcBef>
-                <a:spcPts val="1060"/>
-              </a:spcBef>
-              <a:buClr>
-                <a:srgbClr val="77caee"/>
-              </a:buClr>
-              <a:buSzPct val="45000"/>
-              <a:buFont typeface="Wingdings" charset="2"/>
-              <a:buChar char=""/>
-            </a:pPr>
-            <a:r>
-              <a:rPr b="0" lang="en-US" sz="2400" spc="-1" strike="noStrike">
-                <a:solidFill>
-                  <a:srgbClr val="009bdd"/>
-                </a:solidFill>
-                <a:latin typeface="Arial"/>
-              </a:rPr>
-              <a:t>Click to edit the outline text format</a:t>
-            </a:r>
-            <a:endParaRPr b="0" lang="en-US" sz="2400" spc="-1" strike="noStrike">
-              <a:solidFill>
-                <a:srgbClr val="009bdd"/>
-              </a:solidFill>
-              <a:latin typeface="Arial"/>
-            </a:endParaRPr>
-          </a:p>
-          <a:p>
-            <a:pPr lvl="1" marL="864000" indent="-324000">
-              <a:spcBef>
-                <a:spcPts val="850"/>
-              </a:spcBef>
-              <a:buClr>
-                <a:srgbClr val="77caee"/>
-              </a:buClr>
-              <a:buSzPct val="45000"/>
-              <a:buFont typeface="Wingdings" charset="2"/>
-              <a:buChar char=""/>
-            </a:pPr>
-            <a:r>
-              <a:rPr b="0" lang="en-US" sz="2100" spc="-1" strike="noStrike">
-                <a:solidFill>
-                  <a:srgbClr val="009bdd"/>
-                </a:solidFill>
-                <a:latin typeface="Arial"/>
-              </a:rPr>
-              <a:t>Second Outline Level</a:t>
-            </a:r>
-            <a:endParaRPr b="0" lang="en-US" sz="2100" spc="-1" strike="noStrike">
-              <a:solidFill>
-                <a:srgbClr val="009bdd"/>
-              </a:solidFill>
-              <a:latin typeface="Arial"/>
-            </a:endParaRPr>
-          </a:p>
-          <a:p>
-            <a:pPr lvl="2" marL="1296000" indent="-288000">
-              <a:spcBef>
-                <a:spcPts val="635"/>
-              </a:spcBef>
-              <a:buClr>
-                <a:srgbClr val="77caee"/>
-              </a:buClr>
-              <a:buSzPct val="45000"/>
-              <a:buFont typeface="Wingdings" charset="2"/>
-              <a:buChar char=""/>
-            </a:pPr>
-            <a:r>
-              <a:rPr b="0" lang="en-US" sz="1800" spc="-1" strike="noStrike">
-                <a:solidFill>
-                  <a:srgbClr val="009bdd"/>
-                </a:solidFill>
-                <a:latin typeface="Arial"/>
-              </a:rPr>
-              <a:t>Third Outline Level</a:t>
-            </a:r>
-            <a:endParaRPr b="0" lang="en-US" sz="1800" spc="-1" strike="noStrike">
-              <a:solidFill>
-                <a:srgbClr val="009bdd"/>
-              </a:solidFill>
-              <a:latin typeface="Arial"/>
-            </a:endParaRPr>
-          </a:p>
-          <a:p>
-            <a:pPr lvl="3" marL="1728000" indent="-216000">
-              <a:spcBef>
-                <a:spcPts val="422"/>
-              </a:spcBef>
-              <a:buClr>
-                <a:srgbClr val="77caee"/>
-              </a:buClr>
-              <a:buSzPct val="45000"/>
-              <a:buFont typeface="Wingdings" charset="2"/>
-              <a:buChar char=""/>
-            </a:pPr>
-            <a:r>
-              <a:rPr b="0" lang="en-US" sz="1500" spc="-1" strike="noStrike">
-                <a:solidFill>
-                  <a:srgbClr val="009bdd"/>
-                </a:solidFill>
-                <a:latin typeface="Arial"/>
-              </a:rPr>
-              <a:t>Fourth Outline Level</a:t>
-            </a:r>
-            <a:endParaRPr b="0" lang="en-US" sz="1500" spc="-1" strike="noStrike">
-              <a:solidFill>
-                <a:srgbClr val="009bdd"/>
-              </a:solidFill>
-              <a:latin typeface="Arial"/>
-            </a:endParaRPr>
-          </a:p>
-          <a:p>
-            <a:pPr lvl="4" marL="2160000" indent="-216000">
-              <a:spcBef>
-                <a:spcPts val="210"/>
-              </a:spcBef>
-              <a:buClr>
-                <a:srgbClr val="77caee"/>
-              </a:buClr>
-              <a:buSzPct val="45000"/>
-              <a:buFont typeface="Wingdings" charset="2"/>
-              <a:buChar char=""/>
-            </a:pPr>
-            <a:r>
-              <a:rPr b="0" lang="en-US" sz="1500" spc="-1" strike="noStrike">
-                <a:solidFill>
-                  <a:srgbClr val="009bdd"/>
-                </a:solidFill>
-                <a:latin typeface="Arial"/>
-              </a:rPr>
-              <a:t>Fifth Outline Level</a:t>
-            </a:r>
-            <a:endParaRPr b="0" lang="en-US" sz="1500" spc="-1" strike="noStrike">
-              <a:solidFill>
-                <a:srgbClr val="009bdd"/>
-              </a:solidFill>
-              <a:latin typeface="Arial"/>
-            </a:endParaRPr>
-          </a:p>
-          <a:p>
-            <a:pPr lvl="5" marL="2592000" indent="-216000">
-              <a:spcBef>
-                <a:spcPts val="210"/>
-              </a:spcBef>
-              <a:buClr>
-                <a:srgbClr val="77caee"/>
-              </a:buClr>
-              <a:buSzPct val="45000"/>
-              <a:buFont typeface="Wingdings" charset="2"/>
-              <a:buChar char=""/>
-            </a:pPr>
-            <a:r>
-              <a:rPr b="0" lang="en-US" sz="1500" spc="-1" strike="noStrike">
-                <a:solidFill>
-                  <a:srgbClr val="009bdd"/>
-                </a:solidFill>
-                <a:latin typeface="Arial"/>
-              </a:rPr>
-              <a:t>Sixth Outline Level</a:t>
-            </a:r>
-            <a:endParaRPr b="0" lang="en-US" sz="1500" spc="-1" strike="noStrike">
-              <a:solidFill>
-                <a:srgbClr val="009bdd"/>
-              </a:solidFill>
-              <a:latin typeface="Arial"/>
-            </a:endParaRPr>
-          </a:p>
-          <a:p>
-            <a:pPr lvl="6" marL="3024000" indent="-216000">
-              <a:spcBef>
-                <a:spcPts val="210"/>
-              </a:spcBef>
-              <a:buClr>
-                <a:srgbClr val="77caee"/>
-              </a:buClr>
-              <a:buSzPct val="45000"/>
-              <a:buFont typeface="Wingdings" charset="2"/>
-              <a:buChar char=""/>
-            </a:pPr>
-            <a:r>
-              <a:rPr b="0" lang="en-US" sz="1500" spc="-1" strike="noStrike">
-                <a:solidFill>
-                  <a:srgbClr val="009bdd"/>
-                </a:solidFill>
-                <a:latin typeface="Arial"/>
-              </a:rPr>
-              <a:t>Seventh Outline Level</a:t>
-            </a:r>
-            <a:endParaRPr b="0" lang="en-US" sz="1500" spc="-1" strike="noStrike">
-              <a:solidFill>
-                <a:srgbClr val="009bdd"/>
-              </a:solidFill>
-              <a:latin typeface="Arial"/>
-            </a:endParaRPr>
-          </a:p>
-        </p:txBody>
-      </p:sp>
-      <p:sp>
-        <p:nvSpPr>
-          <p:cNvPr id="3" name=""/>
-          <p:cNvSpPr txBox="1"/>
-          <p:nvPr/>
-        </p:nvSpPr>
-        <p:spPr>
-          <a:xfrm>
-            <a:off x="360000" y="5220000"/>
-            <a:ext cx="2340000" cy="360000"/>
-          </a:xfrm>
-          <a:prstGeom prst="rect">
-            <a:avLst/>
-          </a:prstGeom>
-          <a:noFill/>
-          <a:ln w="0">
-            <a:noFill/>
-          </a:ln>
-        </p:spPr>
-        <p:txBody>
-          <a:bodyPr lIns="0" rIns="0" tIns="0" bIns="0" anchor="t">
-            <a:noAutofit/>
-          </a:bodyPr>
-          <a:p>
             <a:r>
               <a:rPr b="0" lang="en-US" sz="1400" spc="-1" strike="noStrike">
                 <a:solidFill>
@@ -3648,40 +3170,46 @@
               </a:rPr>
               <a:t>&lt;date/time&gt;</a:t>
             </a:r>
-            <a:endParaRPr b="0" lang="en-US" sz="1400" spc="-1" strike="noStrike">
-              <a:solidFill>
-                <a:srgbClr val="ffffff"/>
-              </a:solidFill>
-              <a:latin typeface="Arial"/>
-            </a:endParaRPr>
-          </a:p>
-        </p:txBody>
-      </p:sp>
-      <p:sp>
-        <p:nvSpPr>
-          <p:cNvPr id="4" name=""/>
-          <p:cNvSpPr txBox="1"/>
+            <a:endParaRPr b="0" lang="sk-SK" sz="1400" spc="-1" strike="noStrike">
+              <a:latin typeface="Arial"/>
+            </a:endParaRPr>
+          </a:p>
+        </p:txBody>
+      </p:sp>
+      <p:sp>
+        <p:nvSpPr>
+          <p:cNvPr id="2" name=""/>
+          <p:cNvSpPr/>
           <p:nvPr/>
         </p:nvSpPr>
         <p:spPr>
           <a:xfrm>
             <a:off x="3420000" y="5220000"/>
-            <a:ext cx="3240000" cy="360000"/>
-          </a:xfrm>
-          <a:prstGeom prst="rect">
-            <a:avLst/>
-          </a:prstGeom>
-          <a:noFill/>
-          <a:ln w="0">
-            <a:noFill/>
-          </a:ln>
-        </p:spPr>
+            <a:ext cx="3239640" cy="359640"/>
+          </a:xfrm>
+          <a:prstGeom prst="rect">
+            <a:avLst/>
+          </a:prstGeom>
+          <a:noFill/>
+          <a:ln w="0">
+            <a:noFill/>
+          </a:ln>
+        </p:spPr>
+        <p:style>
+          <a:lnRef idx="0"/>
+          <a:fillRef idx="0"/>
+          <a:effectRef idx="0"/>
+          <a:fontRef idx="minor"/>
+        </p:style>
         <p:txBody>
           <a:bodyPr lIns="0" rIns="0" tIns="0" bIns="0" anchor="t">
             <a:noAutofit/>
           </a:bodyPr>
           <a:p>
             <a:pPr algn="ctr">
+              <a:lnSpc>
+                <a:spcPct val="100000"/>
+              </a:lnSpc>
               <a:buNone/>
             </a:pPr>
             <a:r>
@@ -3693,55 +3221,290 @@
               </a:rPr>
               <a:t>&lt;footer&gt;</a:t>
             </a:r>
-            <a:endParaRPr b="0" lang="en-US" sz="1400" spc="-1" strike="noStrike">
-              <a:solidFill>
-                <a:srgbClr val="ffffff"/>
-              </a:solidFill>
-              <a:latin typeface="Arial"/>
-            </a:endParaRPr>
-          </a:p>
-        </p:txBody>
-      </p:sp>
-      <p:sp>
-        <p:nvSpPr>
-          <p:cNvPr id="5" name=""/>
-          <p:cNvSpPr txBox="1"/>
+            <a:endParaRPr b="0" lang="sk-SK" sz="1400" spc="-1" strike="noStrike">
+              <a:latin typeface="Arial"/>
+            </a:endParaRPr>
+          </a:p>
+        </p:txBody>
+      </p:sp>
+      <p:sp>
+        <p:nvSpPr>
+          <p:cNvPr id="3" name=""/>
+          <p:cNvSpPr/>
           <p:nvPr/>
         </p:nvSpPr>
         <p:spPr>
           <a:xfrm>
             <a:off x="7380000" y="5220000"/>
-            <a:ext cx="2340000" cy="360000"/>
-          </a:xfrm>
-          <a:prstGeom prst="rect">
-            <a:avLst/>
-          </a:prstGeom>
-          <a:noFill/>
-          <a:ln w="0">
-            <a:noFill/>
-          </a:ln>
-        </p:spPr>
+            <a:ext cx="2339640" cy="359640"/>
+          </a:xfrm>
+          <a:prstGeom prst="rect">
+            <a:avLst/>
+          </a:prstGeom>
+          <a:noFill/>
+          <a:ln w="0">
+            <a:noFill/>
+          </a:ln>
+        </p:spPr>
+        <p:style>
+          <a:lnRef idx="0"/>
+          <a:fillRef idx="0"/>
+          <a:effectRef idx="0"/>
+          <a:fontRef idx="minor"/>
+        </p:style>
         <p:txBody>
           <a:bodyPr lIns="0" rIns="0" tIns="0" bIns="0" anchor="t">
             <a:noAutofit/>
           </a:bodyPr>
           <a:p>
             <a:pPr algn="r">
+              <a:lnSpc>
+                <a:spcPct val="100000"/>
+              </a:lnSpc>
               <a:buNone/>
             </a:pPr>
-            <a:fld id="{C05A6AA3-9609-4222-AFF1-4AA590F07D78}" type="slidenum">
+            <a:fld id="{5A0AE0B2-8C1F-4F4B-88EC-E5E14D0B2CCA}" type="slidenum">
               <a:rPr b="0" lang="en-US" sz="1400" spc="-1" strike="noStrike">
                 <a:solidFill>
                   <a:srgbClr val="ffffff"/>
                 </a:solidFill>
                 <a:latin typeface="Arial"/>
               </a:rPr>
-              <a:t>&lt;number&gt;</a:t>
+              <a:t>&lt;číslo&gt;</a:t>
             </a:fld>
-            <a:endParaRPr b="0" lang="en-US" sz="1400" spc="-1" strike="noStrike">
-              <a:solidFill>
-                <a:srgbClr val="ffffff"/>
-              </a:solidFill>
+            <a:endParaRPr b="0" lang="sk-SK" sz="1400" spc="-1" strike="noStrike">
+              <a:latin typeface="Arial"/>
+            </a:endParaRPr>
+          </a:p>
+        </p:txBody>
+      </p:sp>
+      <p:sp>
+        <p:nvSpPr>
+          <p:cNvPr id="4" name="PlaceHolder 1"/>
+          <p:cNvSpPr>
+            <a:spLocks noGrp="1"/>
+          </p:cNvSpPr>
+          <p:nvPr>
+            <p:ph type="title"/>
+          </p:nvPr>
+        </p:nvSpPr>
+        <p:spPr>
+          <a:xfrm>
+            <a:off x="504000" y="226080"/>
+            <a:ext cx="9072000" cy="946440"/>
+          </a:xfrm>
+          <a:prstGeom prst="rect">
+            <a:avLst/>
+          </a:prstGeom>
+          <a:noFill/>
+          <a:ln w="0">
+            <a:noFill/>
+          </a:ln>
+        </p:spPr>
+        <p:txBody>
+          <a:bodyPr lIns="0" rIns="0" tIns="0" bIns="0" anchor="ctr">
+            <a:noAutofit/>
+          </a:bodyPr>
+          <a:p>
+            <a:pPr algn="ctr">
+              <a:buNone/>
+            </a:pPr>
+            <a:r>
+              <a:rPr b="0" lang="sk-SK" sz="4400" spc="-1" strike="noStrike">
+                <a:latin typeface="Arial"/>
+              </a:rPr>
+              <a:t>Kliknúť na úpravu formátu textu </a:t>
+            </a:r>
+            <a:r>
+              <a:rPr b="0" lang="sk-SK" sz="4400" spc="-1" strike="noStrike">
+                <a:latin typeface="Arial"/>
+              </a:rPr>
+              <a:t>titulku</a:t>
+            </a:r>
+            <a:endParaRPr b="0" lang="sk-SK" sz="4400" spc="-1" strike="noStrike">
+              <a:latin typeface="Arial"/>
+            </a:endParaRPr>
+          </a:p>
+        </p:txBody>
+      </p:sp>
+      <p:sp>
+        <p:nvSpPr>
+          <p:cNvPr id="5" name="PlaceHolder 2"/>
+          <p:cNvSpPr>
+            <a:spLocks noGrp="1"/>
+          </p:cNvSpPr>
+          <p:nvPr>
+            <p:ph type="body"/>
+          </p:nvPr>
+        </p:nvSpPr>
+        <p:spPr>
+          <a:xfrm>
+            <a:off x="504000" y="1326600"/>
+            <a:ext cx="9072000" cy="3288600"/>
+          </a:xfrm>
+          <a:prstGeom prst="rect">
+            <a:avLst/>
+          </a:prstGeom>
+          <a:noFill/>
+          <a:ln w="0">
+            <a:noFill/>
+          </a:ln>
+        </p:spPr>
+        <p:txBody>
+          <a:bodyPr lIns="0" rIns="0" tIns="0" bIns="0" anchor="t">
+            <a:normAutofit/>
+          </a:bodyPr>
+          <a:p>
+            <a:pPr marL="432000" indent="-324000">
+              <a:spcBef>
+                <a:spcPts val="1417"/>
+              </a:spcBef>
+              <a:buClr>
+                <a:srgbClr val="000000"/>
+              </a:buClr>
+              <a:buSzPct val="45000"/>
+              <a:buFont typeface="Wingdings" charset="2"/>
+              <a:buChar char=""/>
+            </a:pPr>
+            <a:r>
+              <a:rPr b="0" lang="sk-SK" sz="3200" spc="-1" strike="noStrike">
+                <a:latin typeface="Arial"/>
+              </a:rPr>
+              <a:t>Kliknúť na úpravu formátu textu osnovy</a:t>
+            </a:r>
+            <a:endParaRPr b="0" lang="sk-SK" sz="3200" spc="-1" strike="noStrike">
+              <a:latin typeface="Arial"/>
+            </a:endParaRPr>
+          </a:p>
+          <a:p>
+            <a:pPr lvl="1" marL="864000" indent="-324000">
+              <a:spcBef>
+                <a:spcPts val="1134"/>
+              </a:spcBef>
+              <a:buClr>
+                <a:srgbClr val="000000"/>
+              </a:buClr>
+              <a:buSzPct val="75000"/>
+              <a:buFont typeface="Symbol" charset="2"/>
+              <a:buChar char=""/>
+            </a:pPr>
+            <a:r>
+              <a:rPr b="0" lang="sk-SK" sz="2800" spc="-1" strike="noStrike">
+                <a:latin typeface="Arial"/>
+              </a:rPr>
+              <a:t>Druhá úroveň</a:t>
+            </a:r>
+            <a:endParaRPr b="0" lang="sk-SK" sz="2800" spc="-1" strike="noStrike">
+              <a:latin typeface="Arial"/>
+            </a:endParaRPr>
+          </a:p>
+          <a:p>
+            <a:pPr lvl="2" marL="1296000" indent="-288000">
+              <a:spcBef>
+                <a:spcPts val="850"/>
+              </a:spcBef>
+              <a:buClr>
+                <a:srgbClr val="000000"/>
+              </a:buClr>
+              <a:buSzPct val="45000"/>
+              <a:buFont typeface="Wingdings" charset="2"/>
+              <a:buChar char=""/>
+            </a:pPr>
+            <a:r>
+              <a:rPr b="0" lang="sk-SK" sz="2400" spc="-1" strike="noStrike">
+                <a:latin typeface="Arial"/>
+              </a:rPr>
+              <a:t>Tretia úroveň</a:t>
+            </a:r>
+            <a:endParaRPr b="0" lang="sk-SK" sz="2400" spc="-1" strike="noStrike">
+              <a:latin typeface="Arial"/>
+            </a:endParaRPr>
+          </a:p>
+          <a:p>
+            <a:pPr lvl="3" marL="1728000" indent="-216000">
+              <a:spcBef>
+                <a:spcPts val="567"/>
+              </a:spcBef>
+              <a:buClr>
+                <a:srgbClr val="000000"/>
+              </a:buClr>
+              <a:buSzPct val="75000"/>
+              <a:buFont typeface="Symbol" charset="2"/>
+              <a:buChar char=""/>
+            </a:pPr>
+            <a:r>
+              <a:rPr b="0" lang="sk-SK" sz="2000" spc="-1" strike="noStrike">
+                <a:latin typeface="Arial"/>
+              </a:rPr>
+              <a:t>Štvrtá úroveň osnovy</a:t>
+            </a:r>
+            <a:endParaRPr b="0" lang="sk-SK" sz="2000" spc="-1" strike="noStrike">
+              <a:latin typeface="Arial"/>
+            </a:endParaRPr>
+          </a:p>
+          <a:p>
+            <a:pPr lvl="4" marL="2160000" indent="-216000">
+              <a:spcBef>
+                <a:spcPts val="283"/>
+              </a:spcBef>
+              <a:buClr>
+                <a:srgbClr val="000000"/>
+              </a:buClr>
+              <a:buSzPct val="45000"/>
+              <a:buFont typeface="Wingdings" charset="2"/>
+              <a:buChar char=""/>
+            </a:pPr>
+            <a:r>
+              <a:rPr b="0" lang="sk-SK" sz="2000" spc="-1" strike="noStrike">
+                <a:latin typeface="Arial"/>
+              </a:rPr>
+              <a:t>Piata úroveň osnovy</a:t>
+            </a:r>
+            <a:endParaRPr b="0" lang="sk-SK" sz="2000" spc="-1" strike="noStrike">
+              <a:latin typeface="Arial"/>
+            </a:endParaRPr>
+          </a:p>
+          <a:p>
+            <a:pPr lvl="5" marL="2592000" indent="-216000">
+              <a:spcBef>
+                <a:spcPts val="283"/>
+              </a:spcBef>
+              <a:buClr>
+                <a:srgbClr val="000000"/>
+              </a:buClr>
+              <a:buSzPct val="45000"/>
+              <a:buFont typeface="Wingdings" charset="2"/>
+              <a:buChar char=""/>
+            </a:pPr>
+            <a:r>
+              <a:rPr b="0" lang="sk-SK" sz="2000" spc="-1" strike="noStrike">
+                <a:latin typeface="Arial"/>
+              </a:rPr>
+              <a:t>Šiesta úroveň</a:t>
+            </a:r>
+            <a:endParaRPr b="0" lang="sk-SK" sz="2000" spc="-1" strike="noStrike">
+              <a:latin typeface="Arial"/>
+            </a:endParaRPr>
+          </a:p>
+          <a:p>
+            <a:pPr lvl="6" marL="3024000" indent="-216000">
+              <a:spcBef>
+                <a:spcPts val="283"/>
+              </a:spcBef>
+              <a:buClr>
+                <a:srgbClr val="000000"/>
+              </a:buClr>
+              <a:buSzPct val="45000"/>
+              <a:buFont typeface="Wingdings" charset="2"/>
+              <a:buChar char=""/>
+            </a:pPr>
+            <a:r>
+              <a:rPr b="0" lang="sk-SK" sz="2000" spc="-1" strike="noStrike">
+                <a:latin typeface="Arial"/>
+              </a:rPr>
+              <a:t>Siedma úroveň</a:t>
+            </a:r>
+            <a:endParaRPr b="0" lang="sk-SK" sz="2000" spc="-1" strike="noStrike">
               <a:latin typeface="Arial"/>
             </a:endParaRPr>
           </a:p>
@@ -3793,7 +3556,7 @@
         <p:spPr>
           <a:xfrm>
             <a:off x="0" y="0"/>
-            <a:ext cx="10076760" cy="720000"/>
+            <a:ext cx="10076400" cy="719640"/>
           </a:xfrm>
           <a:prstGeom prst="rect">
             <a:avLst/>
@@ -3813,7 +3576,7 @@
             <a:noFill/>
           </a:ln>
           <a:effectLst>
-            <a:outerShdw dist="10800" dir="5400000" blurRad="0" rotWithShape="0">
+            <a:outerShdw blurRad="0" dir="5400000" dist="10800" rotWithShape="0">
               <a:srgbClr val="009bdd"/>
             </a:outerShdw>
           </a:effectLst>
@@ -3834,7 +3597,7 @@
         <p:spPr>
           <a:xfrm>
             <a:off x="3240" y="5040000"/>
-            <a:ext cx="10076760" cy="631440"/>
+            <a:ext cx="10076400" cy="631080"/>
           </a:xfrm>
           <a:prstGeom prst="rect">
             <a:avLst/>
@@ -3854,7 +3617,7 @@
             <a:noFill/>
           </a:ln>
           <a:effectLst>
-            <a:outerShdw dist="10800" dir="5400000" blurRad="0" rotWithShape="0">
+            <a:outerShdw blurRad="0" dir="5400000" dist="10800" rotWithShape="0">
               <a:srgbClr val="009bdd"/>
             </a:outerShdw>
           </a:effectLst>
@@ -3879,7 +3642,7 @@
         <p:spPr>
           <a:xfrm>
             <a:off x="360000" y="180000"/>
-            <a:ext cx="9360000" cy="478080"/>
+            <a:ext cx="9359640" cy="477720"/>
           </a:xfrm>
           <a:prstGeom prst="rect">
             <a:avLst/>
@@ -3894,22 +3657,13 @@
             <a:noAutofit/>
           </a:bodyPr>
           <a:p>
-            <a:pPr algn="ctr">
-              <a:buNone/>
-            </a:pPr>
             <a:r>
-              <a:rPr b="0" lang="en-US" sz="3300" spc="-1" strike="noStrike">
-                <a:solidFill>
-                  <a:srgbClr val="ffffff"/>
-                </a:solidFill>
+              <a:rPr b="0" lang="sk-SK" sz="1800" spc="-1" strike="noStrike">
                 <a:latin typeface="Arial"/>
               </a:rPr>
-              <a:t>Click to edit the title text format</a:t>
+              <a:t>Kliknúť na úpravu formátu textu titulku</a:t>
             </a:r>
-            <a:endParaRPr b="0" lang="en-US" sz="3300" spc="-1" strike="noStrike">
-              <a:solidFill>
-                <a:srgbClr val="ffffff"/>
-              </a:solidFill>
+            <a:endParaRPr b="0" lang="sk-SK" sz="1800" spc="-1" strike="noStrike">
               <a:latin typeface="Arial"/>
             </a:endParaRPr>
           </a:p>
@@ -3928,7 +3682,7 @@
         <p:spPr>
           <a:xfrm>
             <a:off x="360000" y="1080000"/>
-            <a:ext cx="9360000" cy="3600000"/>
+            <a:ext cx="9359640" cy="3599640"/>
           </a:xfrm>
           <a:prstGeom prst="rect">
             <a:avLst/>
@@ -3945,340 +3699,154 @@
           <a:p>
             <a:pPr marL="432000" indent="-324000">
               <a:spcBef>
-                <a:spcPts val="1060"/>
+                <a:spcPts val="1417"/>
               </a:spcBef>
               <a:buClr>
-                <a:srgbClr val="77caee"/>
+                <a:srgbClr val="000000"/>
               </a:buClr>
               <a:buSzPct val="45000"/>
               <a:buFont typeface="Wingdings" charset="2"/>
               <a:buChar char=""/>
             </a:pPr>
             <a:r>
-              <a:rPr b="0" lang="en-US" sz="2400" spc="-1" strike="noStrike">
-                <a:solidFill>
-                  <a:srgbClr val="009bdd"/>
-                </a:solidFill>
+              <a:rPr b="0" lang="sk-SK" sz="1800" spc="-1" strike="noStrike">
                 <a:latin typeface="Arial"/>
               </a:rPr>
-              <a:t>Click to edit the outline text format</a:t>
+              <a:t>Kliknúť na úpravu formátu textu osnovy</a:t>
             </a:r>
-            <a:endParaRPr b="0" lang="en-US" sz="2400" spc="-1" strike="noStrike">
-              <a:solidFill>
-                <a:srgbClr val="009bdd"/>
-              </a:solidFill>
+            <a:endParaRPr b="0" lang="sk-SK" sz="1800" spc="-1" strike="noStrike">
               <a:latin typeface="Arial"/>
             </a:endParaRPr>
           </a:p>
           <a:p>
             <a:pPr lvl="1" marL="864000" indent="-324000">
+              <a:spcBef>
+                <a:spcPts val="1134"/>
+              </a:spcBef>
+              <a:buClr>
+                <a:srgbClr val="000000"/>
+              </a:buClr>
+              <a:buSzPct val="75000"/>
+              <a:buFont typeface="Symbol" charset="2"/>
+              <a:buChar char=""/>
+            </a:pPr>
+            <a:r>
+              <a:rPr b="0" lang="sk-SK" sz="1800" spc="-1" strike="noStrike">
+                <a:latin typeface="Arial"/>
+              </a:rPr>
+              <a:t>Druhá úroveň</a:t>
+            </a:r>
+            <a:endParaRPr b="0" lang="sk-SK" sz="1800" spc="-1" strike="noStrike">
+              <a:latin typeface="Arial"/>
+            </a:endParaRPr>
+          </a:p>
+          <a:p>
+            <a:pPr lvl="2" marL="1296000" indent="-288000">
               <a:spcBef>
                 <a:spcPts val="850"/>
               </a:spcBef>
               <a:buClr>
-                <a:srgbClr val="77caee"/>
+                <a:srgbClr val="000000"/>
               </a:buClr>
               <a:buSzPct val="45000"/>
               <a:buFont typeface="Wingdings" charset="2"/>
               <a:buChar char=""/>
             </a:pPr>
             <a:r>
-              <a:rPr b="0" lang="en-US" sz="2100" spc="-1" strike="noStrike">
-                <a:solidFill>
-                  <a:srgbClr val="009bdd"/>
-                </a:solidFill>
+              <a:rPr b="0" lang="sk-SK" sz="1800" spc="-1" strike="noStrike">
                 <a:latin typeface="Arial"/>
               </a:rPr>
-              <a:t>Second Outline Level</a:t>
+              <a:t>Tretia úroveň</a:t>
             </a:r>
-            <a:endParaRPr b="0" lang="en-US" sz="2100" spc="-1" strike="noStrike">
-              <a:solidFill>
-                <a:srgbClr val="009bdd"/>
-              </a:solidFill>
-              <a:latin typeface="Arial"/>
-            </a:endParaRPr>
-          </a:p>
-          <a:p>
-            <a:pPr lvl="2" marL="1296000" indent="-288000">
+            <a:endParaRPr b="0" lang="sk-SK" sz="1800" spc="-1" strike="noStrike">
+              <a:latin typeface="Arial"/>
+            </a:endParaRPr>
+          </a:p>
+          <a:p>
+            <a:pPr lvl="3" marL="1728000" indent="-216000">
               <a:spcBef>
-                <a:spcPts val="635"/>
+                <a:spcPts val="567"/>
               </a:spcBef>
               <a:buClr>
-                <a:srgbClr val="77caee"/>
+                <a:srgbClr val="000000"/>
+              </a:buClr>
+              <a:buSzPct val="75000"/>
+              <a:buFont typeface="Symbol" charset="2"/>
+              <a:buChar char=""/>
+            </a:pPr>
+            <a:r>
+              <a:rPr b="0" lang="sk-SK" sz="1800" spc="-1" strike="noStrike">
+                <a:latin typeface="Arial"/>
+              </a:rPr>
+              <a:t>Štvrtá úroveň osnovy</a:t>
+            </a:r>
+            <a:endParaRPr b="0" lang="sk-SK" sz="1800" spc="-1" strike="noStrike">
+              <a:latin typeface="Arial"/>
+            </a:endParaRPr>
+          </a:p>
+          <a:p>
+            <a:pPr lvl="4" marL="2160000" indent="-216000">
+              <a:spcBef>
+                <a:spcPts val="283"/>
+              </a:spcBef>
+              <a:buClr>
+                <a:srgbClr val="000000"/>
               </a:buClr>
               <a:buSzPct val="45000"/>
               <a:buFont typeface="Wingdings" charset="2"/>
               <a:buChar char=""/>
             </a:pPr>
             <a:r>
-              <a:rPr b="0" lang="en-US" sz="1800" spc="-1" strike="noStrike">
-                <a:solidFill>
-                  <a:srgbClr val="009bdd"/>
-                </a:solidFill>
+              <a:rPr b="0" lang="sk-SK" sz="1800" spc="-1" strike="noStrike">
                 <a:latin typeface="Arial"/>
               </a:rPr>
-              <a:t>Third Outline Level</a:t>
+              <a:t>Piata úroveň osnovy</a:t>
             </a:r>
-            <a:endParaRPr b="0" lang="en-US" sz="1800" spc="-1" strike="noStrike">
-              <a:solidFill>
-                <a:srgbClr val="009bdd"/>
-              </a:solidFill>
-              <a:latin typeface="Arial"/>
-            </a:endParaRPr>
-          </a:p>
-          <a:p>
-            <a:pPr lvl="3" marL="1728000" indent="-216000">
+            <a:endParaRPr b="0" lang="sk-SK" sz="1800" spc="-1" strike="noStrike">
+              <a:latin typeface="Arial"/>
+            </a:endParaRPr>
+          </a:p>
+          <a:p>
+            <a:pPr lvl="5" marL="2592000" indent="-216000">
               <a:spcBef>
-                <a:spcPts val="422"/>
+                <a:spcPts val="283"/>
               </a:spcBef>
               <a:buClr>
-                <a:srgbClr val="77caee"/>
+                <a:srgbClr val="000000"/>
               </a:buClr>
               <a:buSzPct val="45000"/>
               <a:buFont typeface="Wingdings" charset="2"/>
               <a:buChar char=""/>
             </a:pPr>
             <a:r>
-              <a:rPr b="0" lang="en-US" sz="1500" spc="-1" strike="noStrike">
-                <a:solidFill>
-                  <a:srgbClr val="009bdd"/>
-                </a:solidFill>
+              <a:rPr b="0" lang="sk-SK" sz="1800" spc="-1" strike="noStrike">
                 <a:latin typeface="Arial"/>
               </a:rPr>
-              <a:t>Fourth Outline Level</a:t>
+              <a:t>Šiesta úroveň</a:t>
             </a:r>
-            <a:endParaRPr b="0" lang="en-US" sz="1500" spc="-1" strike="noStrike">
-              <a:solidFill>
-                <a:srgbClr val="009bdd"/>
-              </a:solidFill>
-              <a:latin typeface="Arial"/>
-            </a:endParaRPr>
-          </a:p>
-          <a:p>
-            <a:pPr lvl="4" marL="2160000" indent="-216000">
+            <a:endParaRPr b="0" lang="sk-SK" sz="1800" spc="-1" strike="noStrike">
+              <a:latin typeface="Arial"/>
+            </a:endParaRPr>
+          </a:p>
+          <a:p>
+            <a:pPr lvl="6" marL="3024000" indent="-216000">
               <a:spcBef>
-                <a:spcPts val="210"/>
+                <a:spcPts val="283"/>
               </a:spcBef>
               <a:buClr>
-                <a:srgbClr val="77caee"/>
+                <a:srgbClr val="000000"/>
               </a:buClr>
               <a:buSzPct val="45000"/>
               <a:buFont typeface="Wingdings" charset="2"/>
               <a:buChar char=""/>
             </a:pPr>
             <a:r>
-              <a:rPr b="0" lang="en-US" sz="1500" spc="-1" strike="noStrike">
-                <a:solidFill>
-                  <a:srgbClr val="009bdd"/>
-                </a:solidFill>
+              <a:rPr b="0" lang="sk-SK" sz="1800" spc="-1" strike="noStrike">
                 <a:latin typeface="Arial"/>
               </a:rPr>
-              <a:t>Fifth Outline Level</a:t>
+              <a:t>Siedma úroveň</a:t>
             </a:r>
-            <a:endParaRPr b="0" lang="en-US" sz="1500" spc="-1" strike="noStrike">
-              <a:solidFill>
-                <a:srgbClr val="009bdd"/>
-              </a:solidFill>
-              <a:latin typeface="Arial"/>
-            </a:endParaRPr>
-          </a:p>
-          <a:p>
-            <a:pPr lvl="5" marL="2592000" indent="-216000">
-              <a:spcBef>
-                <a:spcPts val="210"/>
-              </a:spcBef>
-              <a:buClr>
-                <a:srgbClr val="77caee"/>
-              </a:buClr>
-              <a:buSzPct val="45000"/>
-              <a:buFont typeface="Wingdings" charset="2"/>
-              <a:buChar char=""/>
-            </a:pPr>
-            <a:r>
-              <a:rPr b="0" lang="en-US" sz="1500" spc="-1" strike="noStrike">
-                <a:solidFill>
-                  <a:srgbClr val="009bdd"/>
-                </a:solidFill>
-                <a:latin typeface="Arial"/>
-              </a:rPr>
-              <a:t>Sixth Outline Level</a:t>
-            </a:r>
-            <a:endParaRPr b="0" lang="en-US" sz="1500" spc="-1" strike="noStrike">
-              <a:solidFill>
-                <a:srgbClr val="009bdd"/>
-              </a:solidFill>
-              <a:latin typeface="Arial"/>
-            </a:endParaRPr>
-          </a:p>
-          <a:p>
-            <a:pPr lvl="6" marL="3024000" indent="-216000">
-              <a:spcBef>
-                <a:spcPts val="210"/>
-              </a:spcBef>
-              <a:buClr>
-                <a:srgbClr val="77caee"/>
-              </a:buClr>
-              <a:buSzPct val="45000"/>
-              <a:buFont typeface="Wingdings" charset="2"/>
-              <a:buChar char=""/>
-            </a:pPr>
-            <a:r>
-              <a:rPr b="0" lang="en-US" sz="1500" spc="-1" strike="noStrike">
-                <a:solidFill>
-                  <a:srgbClr val="009bdd"/>
-                </a:solidFill>
-                <a:latin typeface="Arial"/>
-              </a:rPr>
-              <a:t>Seventh Outline Level</a:t>
-            </a:r>
-            <a:endParaRPr b="0" lang="en-US" sz="1500" spc="-1" strike="noStrike">
-              <a:solidFill>
-                <a:srgbClr val="009bdd"/>
-              </a:solidFill>
-              <a:latin typeface="Arial"/>
-            </a:endParaRPr>
-          </a:p>
-        </p:txBody>
-      </p:sp>
-      <p:sp>
-        <p:nvSpPr>
-          <p:cNvPr id="46" name="PlaceHolder 3"/>
-          <p:cNvSpPr>
-            <a:spLocks noGrp="1"/>
-          </p:cNvSpPr>
-          <p:nvPr>
-            <p:ph type="dt"/>
-          </p:nvPr>
-        </p:nvSpPr>
-        <p:spPr>
-          <a:xfrm>
-            <a:off x="360000" y="5220000"/>
-            <a:ext cx="2340000" cy="360000"/>
-          </a:xfrm>
-          <a:prstGeom prst="rect">
-            <a:avLst/>
-          </a:prstGeom>
-          <a:noFill/>
-          <a:ln w="0">
-            <a:noFill/>
-          </a:ln>
-        </p:spPr>
-        <p:txBody>
-          <a:bodyPr lIns="0" rIns="0" tIns="0" bIns="0" anchor="t">
-            <a:noAutofit/>
-          </a:bodyPr>
-          <a:p>
-            <a:r>
-              <a:rPr b="0" lang="en-US" sz="1400" spc="-1" strike="noStrike">
-                <a:solidFill>
-                  <a:srgbClr val="ffffff"/>
-                </a:solidFill>
-                <a:latin typeface="Arial"/>
-              </a:rPr>
-              <a:t>&lt;date/time&gt;</a:t>
-            </a:r>
-            <a:endParaRPr b="0" lang="en-US" sz="1400" spc="-1" strike="noStrike">
-              <a:solidFill>
-                <a:srgbClr val="ffffff"/>
-              </a:solidFill>
-              <a:latin typeface="Arial"/>
-            </a:endParaRPr>
-          </a:p>
-        </p:txBody>
-      </p:sp>
-      <p:sp>
-        <p:nvSpPr>
-          <p:cNvPr id="47" name="PlaceHolder 4"/>
-          <p:cNvSpPr>
-            <a:spLocks noGrp="1"/>
-          </p:cNvSpPr>
-          <p:nvPr>
-            <p:ph type="ftr"/>
-          </p:nvPr>
-        </p:nvSpPr>
-        <p:spPr>
-          <a:xfrm>
-            <a:off x="3420000" y="5220000"/>
-            <a:ext cx="3240000" cy="360000"/>
-          </a:xfrm>
-          <a:prstGeom prst="rect">
-            <a:avLst/>
-          </a:prstGeom>
-          <a:noFill/>
-          <a:ln w="0">
-            <a:noFill/>
-          </a:ln>
-        </p:spPr>
-        <p:txBody>
-          <a:bodyPr lIns="0" rIns="0" tIns="0" bIns="0" anchor="t">
-            <a:noAutofit/>
-          </a:bodyPr>
-          <a:p>
-            <a:pPr algn="ctr">
-              <a:buNone/>
-            </a:pPr>
-            <a:r>
-              <a:rPr b="0" lang="en-US" sz="1400" spc="-1" strike="noStrike">
-                <a:solidFill>
-                  <a:srgbClr val="ffffff"/>
-                </a:solidFill>
-                <a:latin typeface="Arial"/>
-              </a:rPr>
-              <a:t>&lt;footer&gt;</a:t>
-            </a:r>
-            <a:endParaRPr b="0" lang="en-US" sz="1400" spc="-1" strike="noStrike">
-              <a:solidFill>
-                <a:srgbClr val="ffffff"/>
-              </a:solidFill>
-              <a:latin typeface="Arial"/>
-            </a:endParaRPr>
-          </a:p>
-        </p:txBody>
-      </p:sp>
-      <p:sp>
-        <p:nvSpPr>
-          <p:cNvPr id="48" name="PlaceHolder 5"/>
-          <p:cNvSpPr>
-            <a:spLocks noGrp="1"/>
-          </p:cNvSpPr>
-          <p:nvPr>
-            <p:ph type="sldNum"/>
-          </p:nvPr>
-        </p:nvSpPr>
-        <p:spPr>
-          <a:xfrm>
-            <a:off x="7380000" y="5220000"/>
-            <a:ext cx="2340000" cy="360000"/>
-          </a:xfrm>
-          <a:prstGeom prst="rect">
-            <a:avLst/>
-          </a:prstGeom>
-          <a:noFill/>
-          <a:ln w="0">
-            <a:noFill/>
-          </a:ln>
-        </p:spPr>
-        <p:txBody>
-          <a:bodyPr lIns="0" rIns="0" tIns="0" bIns="0" anchor="t">
-            <a:noAutofit/>
-          </a:bodyPr>
-          <a:p>
-            <a:pPr algn="r">
-              <a:buNone/>
-            </a:pPr>
-            <a:fld id="{218E169C-A92B-4D8B-B419-720AB9667F12}" type="slidenum">
-              <a:rPr b="0" lang="en-US" sz="1400" spc="-1" strike="noStrike">
-                <a:solidFill>
-                  <a:srgbClr val="ffffff"/>
-                </a:solidFill>
-                <a:latin typeface="Arial"/>
-              </a:rPr>
-              <a:t>&lt;number&gt;</a:t>
-            </a:fld>
-            <a:endParaRPr b="0" lang="en-US" sz="1400" spc="-1" strike="noStrike">
-              <a:solidFill>
-                <a:srgbClr val="ffffff"/>
-              </a:solidFill>
+            <a:endParaRPr b="0" lang="sk-SK" sz="1800" spc="-1" strike="noStrike">
               <a:latin typeface="Arial"/>
             </a:endParaRPr>
           </a:p>
@@ -4323,7 +3891,7 @@
       </p:grpSpPr>
       <p:sp>
         <p:nvSpPr>
-          <p:cNvPr id="85" name="PlaceHolder 1"/>
+          <p:cNvPr id="82" name="PlaceHolder 1"/>
           <p:cNvSpPr>
             <a:spLocks noGrp="1"/>
           </p:cNvSpPr>
@@ -4334,7 +3902,7 @@
         <p:spPr>
           <a:xfrm>
             <a:off x="0" y="1620000"/>
-            <a:ext cx="9000000" cy="1080000"/>
+            <a:ext cx="8999640" cy="1079640"/>
           </a:xfrm>
           <a:prstGeom prst="rect">
             <a:avLst/>
@@ -4350,6 +3918,9 @@
           </a:bodyPr>
           <a:p>
             <a:pPr algn="ctr">
+              <a:lnSpc>
+                <a:spcPct val="100000"/>
+              </a:lnSpc>
               <a:buNone/>
             </a:pPr>
             <a:r>
@@ -4361,18 +3932,15 @@
               </a:rPr>
               <a:t>Visual-system-for-interaction-human-with-robot</a:t>
             </a:r>
-            <a:endParaRPr b="0" lang="en-US" sz="3300" spc="-1" strike="noStrike">
-              <a:solidFill>
-                <a:srgbClr val="dd4100"/>
-              </a:solidFill>
-              <a:latin typeface="Arial"/>
-            </a:endParaRPr>
-          </a:p>
-        </p:txBody>
-      </p:sp>
-      <p:sp>
-        <p:nvSpPr>
-          <p:cNvPr id="86" name="PlaceHolder 2"/>
+            <a:endParaRPr b="0" lang="sk-SK" sz="3300" spc="-1" strike="noStrike">
+              <a:latin typeface="Arial"/>
+            </a:endParaRPr>
+          </a:p>
+        </p:txBody>
+      </p:sp>
+      <p:sp>
+        <p:nvSpPr>
+          <p:cNvPr id="83" name="PlaceHolder 2"/>
           <p:cNvSpPr>
             <a:spLocks noGrp="1"/>
           </p:cNvSpPr>
@@ -4383,7 +3951,7 @@
         <p:spPr>
           <a:xfrm>
             <a:off x="0" y="1620000"/>
-            <a:ext cx="9000000" cy="5007600"/>
+            <a:ext cx="8999640" cy="5007240"/>
           </a:xfrm>
           <a:prstGeom prst="rect">
             <a:avLst/>
@@ -4399,6 +3967,9 @@
           </a:bodyPr>
           <a:p>
             <a:pPr algn="ctr">
+              <a:lnSpc>
+                <a:spcPct val="100000"/>
+              </a:lnSpc>
               <a:buNone/>
             </a:pPr>
             <a:r>
@@ -4410,10 +3981,7 @@
               </a:rPr>
               <a:t>Nicolas Orság</a:t>
             </a:r>
-            <a:endParaRPr b="0" lang="en-US" sz="3200" spc="-1" strike="noStrike">
-              <a:highlight>
-                <a:srgbClr val="ffffff"/>
-              </a:highlight>
+            <a:endParaRPr b="0" lang="sk-SK" sz="3200" spc="-1" strike="noStrike">
               <a:latin typeface="Arial"/>
             </a:endParaRPr>
           </a:p>
@@ -4451,7 +4019,7 @@
       </p:grpSpPr>
       <p:sp>
         <p:nvSpPr>
-          <p:cNvPr id="87" name="PlaceHolder 1"/>
+          <p:cNvPr id="84" name="PlaceHolder 1"/>
           <p:cNvSpPr>
             <a:spLocks noGrp="1"/>
           </p:cNvSpPr>
@@ -4461,8 +4029,8 @@
         </p:nvSpPr>
         <p:spPr>
           <a:xfrm>
-            <a:off x="360000" y="180000"/>
-            <a:ext cx="9360000" cy="478080"/>
+            <a:off x="360000" y="135360"/>
+            <a:ext cx="9359640" cy="567000"/>
           </a:xfrm>
           <a:prstGeom prst="rect">
             <a:avLst/>
@@ -4481,312 +4049,47 @@
               <a:buNone/>
             </a:pPr>
             <a:r>
-              <a:rPr b="0" lang="en-US" sz="3300" spc="-1" strike="noStrike">
-                <a:solidFill>
-                  <a:srgbClr val="ffffff"/>
-                </a:solidFill>
+              <a:rPr b="0" lang="sk-SK" sz="2000" spc="-1" strike="noStrike">
                 <a:latin typeface="Arial"/>
               </a:rPr>
-              <a:t>Progress mojej prace </a:t>
+              <a:t>A Weakly Supervised Strategy for Learning Object Detection on a</a:t>
             </a:r>
-            <a:endParaRPr b="0" lang="en-US" sz="3300" spc="-1" strike="noStrike">
-              <a:solidFill>
-                <a:srgbClr val="ffffff"/>
-              </a:solidFill>
-              <a:latin typeface="Arial"/>
-            </a:endParaRPr>
-          </a:p>
-        </p:txBody>
-      </p:sp>
-      <p:sp>
-        <p:nvSpPr>
-          <p:cNvPr id="88" name="PlaceHolder 2"/>
-          <p:cNvSpPr>
-            <a:spLocks noGrp="1"/>
-          </p:cNvSpPr>
-          <p:nvPr>
-            <p:ph/>
-          </p:nvPr>
-        </p:nvSpPr>
-        <p:spPr>
-          <a:xfrm>
-            <a:off x="228600" y="710280"/>
-            <a:ext cx="9360000" cy="3600000"/>
-          </a:xfrm>
-          <a:prstGeom prst="rect">
-            <a:avLst/>
-          </a:prstGeom>
-          <a:noFill/>
-          <a:ln w="0">
-            <a:noFill/>
-          </a:ln>
-        </p:spPr>
-        <p:txBody>
-          <a:bodyPr lIns="0" rIns="0" tIns="0" bIns="0" anchor="t">
-            <a:noAutofit/>
-          </a:bodyPr>
-          <a:p>
-            <a:pPr marL="432000" indent="-324000">
-              <a:spcBef>
-                <a:spcPts val="1060"/>
-              </a:spcBef>
-              <a:buClr>
-                <a:srgbClr val="77caee"/>
-              </a:buClr>
-              <a:buSzPct val="45000"/>
-              <a:buFont typeface="Wingdings" charset="2"/>
-              <a:buChar char=""/>
-            </a:pPr>
+            <a:br/>
             <a:r>
-              <a:rPr b="0" lang="en-US" sz="2400" spc="-1" strike="noStrike">
-                <a:solidFill>
-                  <a:srgbClr val="009bdd"/>
-                </a:solidFill>
+              <a:rPr b="0" lang="sk-SK" sz="2000" spc="-1" strike="noStrike">
                 <a:latin typeface="Arial"/>
               </a:rPr>
-              <a:t>Prečítanie a porozumenie 2 dôležitých článkov </a:t>
+              <a:t>Humanoid Robot</a:t>
             </a:r>
-            <a:endParaRPr b="0" lang="en-US" sz="2400" spc="-1" strike="noStrike">
-              <a:solidFill>
-                <a:srgbClr val="009bdd"/>
-              </a:solidFill>
-              <a:latin typeface="Arial"/>
-            </a:endParaRPr>
-          </a:p>
-          <a:p>
-            <a:pPr lvl="1" marL="864000" indent="-324000">
-              <a:spcBef>
-                <a:spcPts val="850"/>
-              </a:spcBef>
-              <a:buClr>
-                <a:srgbClr val="77caee"/>
-              </a:buClr>
-              <a:buSzPct val="45000"/>
-              <a:buFont typeface="Wingdings" charset="2"/>
-              <a:buChar char=""/>
-            </a:pPr>
-            <a:r>
-              <a:rPr b="0" lang="en-US" sz="2100" spc="-1" strike="noStrike">
-                <a:solidFill>
-                  <a:srgbClr val="009bdd"/>
-                </a:solidFill>
-                <a:latin typeface="Arial"/>
-              </a:rPr>
-              <a:t>https://sci-hub.se/10.1109/humanoids43949.2019.9035067</a:t>
-            </a:r>
-            <a:endParaRPr b="0" lang="en-US" sz="2100" spc="-1" strike="noStrike">
-              <a:solidFill>
-                <a:srgbClr val="009bdd"/>
-              </a:solidFill>
-              <a:latin typeface="Arial"/>
-            </a:endParaRPr>
-          </a:p>
-          <a:p>
-            <a:pPr lvl="2" marL="1296000" indent="-288000">
-              <a:spcBef>
-                <a:spcPts val="635"/>
-              </a:spcBef>
-              <a:buClr>
-                <a:srgbClr val="77caee"/>
-              </a:buClr>
-              <a:buSzPct val="45000"/>
-              <a:buFont typeface="Wingdings" charset="2"/>
-              <a:buChar char=""/>
-            </a:pPr>
-            <a:r>
-              <a:rPr b="0" lang="en-US" sz="1800" spc="-1" strike="noStrike">
-                <a:solidFill>
-                  <a:srgbClr val="009bdd"/>
-                </a:solidFill>
-                <a:latin typeface="Arial"/>
-              </a:rPr>
-              <a:t>Spoznamkovanie : https://github.com/NicolasOrsag/Visual-system-for-</a:t>
-            </a:r>
-            <a:r>
-              <a:rPr b="0" lang="en-US" sz="1800" spc="-1" strike="noStrike">
-                <a:solidFill>
-                  <a:srgbClr val="009bdd"/>
-                </a:solidFill>
-                <a:latin typeface="Arial"/>
-              </a:rPr>
-              <a:t>interaction-human-with-robot/blob/main/Documentation/Sources/</a:t>
-            </a:r>
-            <a:r>
-              <a:rPr b="0" lang="en-US" sz="1800" spc="-1" strike="noStrike">
-                <a:solidFill>
-                  <a:srgbClr val="009bdd"/>
-                </a:solidFill>
-                <a:latin typeface="Arial"/>
-              </a:rPr>
-              <a:t>notes_from_sources.pdf  </a:t>
-            </a:r>
-            <a:endParaRPr b="0" lang="en-US" sz="1800" spc="-1" strike="noStrike">
-              <a:solidFill>
-                <a:srgbClr val="009bdd"/>
-              </a:solidFill>
-              <a:latin typeface="Arial"/>
-            </a:endParaRPr>
-          </a:p>
-          <a:p>
-            <a:pPr lvl="1" marL="864000" indent="-324000">
-              <a:spcBef>
-                <a:spcPts val="850"/>
-              </a:spcBef>
-              <a:buClr>
-                <a:srgbClr val="77caee"/>
-              </a:buClr>
-              <a:buSzPct val="45000"/>
-              <a:buFont typeface="Wingdings" charset="2"/>
-              <a:buChar char=""/>
-            </a:pPr>
-            <a:r>
-              <a:rPr b="0" lang="en-US" sz="2100" spc="-1" strike="noStrike">
-                <a:solidFill>
-                  <a:srgbClr val="009bdd"/>
-                </a:solidFill>
-                <a:latin typeface="Arial"/>
-              </a:rPr>
-              <a:t>https://sci-hub.se/10.1109/humanoids.2017.8246973</a:t>
-            </a:r>
-            <a:endParaRPr b="0" lang="en-US" sz="2100" spc="-1" strike="noStrike">
-              <a:solidFill>
-                <a:srgbClr val="009bdd"/>
-              </a:solidFill>
-              <a:latin typeface="Arial"/>
-            </a:endParaRPr>
-          </a:p>
-          <a:p>
-            <a:pPr marL="432000" indent="-324000">
-              <a:spcBef>
-                <a:spcPts val="1060"/>
-              </a:spcBef>
-              <a:buClr>
-                <a:srgbClr val="77caee"/>
-              </a:buClr>
-              <a:buSzPct val="45000"/>
-              <a:buFont typeface="Wingdings" charset="2"/>
-              <a:buChar char=""/>
-            </a:pPr>
-            <a:r>
-              <a:rPr b="0" lang="en-US" sz="2400" spc="-1" strike="noStrike">
-                <a:solidFill>
-                  <a:srgbClr val="009bdd"/>
-                </a:solidFill>
-                <a:latin typeface="Arial"/>
-              </a:rPr>
-              <a:t>Vytvorenie a manažovanie github repozitára: </a:t>
-            </a:r>
-            <a:endParaRPr b="0" lang="en-US" sz="2400" spc="-1" strike="noStrike">
-              <a:solidFill>
-                <a:srgbClr val="009bdd"/>
-              </a:solidFill>
-              <a:latin typeface="Arial"/>
-            </a:endParaRPr>
-          </a:p>
-          <a:p>
-            <a:pPr lvl="1" marL="864000" indent="-324000">
-              <a:spcBef>
-                <a:spcPts val="850"/>
-              </a:spcBef>
-              <a:buClr>
-                <a:srgbClr val="77caee"/>
-              </a:buClr>
-              <a:buSzPct val="45000"/>
-              <a:buFont typeface="Wingdings" charset="2"/>
-              <a:buChar char=""/>
-            </a:pPr>
-            <a:r>
-              <a:rPr b="0" lang="en-US" sz="2100" spc="-1" strike="noStrike">
-                <a:solidFill>
-                  <a:srgbClr val="009bdd"/>
-                </a:solidFill>
-                <a:latin typeface="Arial"/>
-              </a:rPr>
-              <a:t>https://github.com/NicolasOrsag/Visual-system-for-interaction-human-</a:t>
-            </a:r>
-            <a:r>
-              <a:rPr b="0" lang="en-US" sz="2100" spc="-1" strike="noStrike">
-                <a:solidFill>
-                  <a:srgbClr val="009bdd"/>
-                </a:solidFill>
-                <a:latin typeface="Arial"/>
-              </a:rPr>
-              <a:t>with-robot</a:t>
-            </a:r>
-            <a:endParaRPr b="0" lang="en-US" sz="2100" spc="-1" strike="noStrike">
-              <a:solidFill>
-                <a:srgbClr val="009bdd"/>
-              </a:solidFill>
-              <a:latin typeface="Arial"/>
-            </a:endParaRPr>
-          </a:p>
-          <a:p>
-            <a:pPr marL="432000" indent="-324000">
-              <a:spcBef>
-                <a:spcPts val="1060"/>
-              </a:spcBef>
-              <a:buClr>
-                <a:srgbClr val="77caee"/>
-              </a:buClr>
-              <a:buSzPct val="45000"/>
-              <a:buFont typeface="Wingdings" charset="2"/>
-              <a:buChar char=""/>
-            </a:pPr>
-            <a:r>
-              <a:rPr b="0" lang="en-US" sz="2400" spc="-1" strike="noStrike">
-                <a:solidFill>
-                  <a:srgbClr val="009bdd"/>
-                </a:solidFill>
-                <a:latin typeface="Arial"/>
-              </a:rPr>
-              <a:t>Písanie a udržovanie denníka: </a:t>
-            </a:r>
-            <a:endParaRPr b="0" lang="en-US" sz="2400" spc="-1" strike="noStrike">
-              <a:solidFill>
-                <a:srgbClr val="009bdd"/>
-              </a:solidFill>
-              <a:latin typeface="Arial"/>
-            </a:endParaRPr>
-          </a:p>
-          <a:p>
-            <a:pPr lvl="1" marL="864000" indent="-324000">
-              <a:spcBef>
-                <a:spcPts val="850"/>
-              </a:spcBef>
-              <a:buClr>
-                <a:srgbClr val="77caee"/>
-              </a:buClr>
-              <a:buSzPct val="45000"/>
-              <a:buFont typeface="Wingdings" charset="2"/>
-              <a:buChar char=""/>
-            </a:pPr>
-            <a:r>
-              <a:rPr b="0" lang="en-US" sz="2100" spc="-1" strike="noStrike">
-                <a:solidFill>
-                  <a:srgbClr val="009bdd"/>
-                </a:solidFill>
-                <a:latin typeface="Arial"/>
-              </a:rPr>
-              <a:t>https://github.com/NicolasOrsag/Visual-system-for-interaction-human-</a:t>
-            </a:r>
-            <a:r>
-              <a:rPr b="0" lang="en-US" sz="2100" spc="-1" strike="noStrike">
-                <a:solidFill>
-                  <a:srgbClr val="009bdd"/>
-                </a:solidFill>
-                <a:latin typeface="Arial"/>
-              </a:rPr>
-              <a:t>with-robot/blob/main/Documentation/Diary.txt</a:t>
-            </a:r>
-            <a:endParaRPr b="0" lang="en-US" sz="2100" spc="-1" strike="noStrike">
-              <a:solidFill>
-                <a:srgbClr val="009bdd"/>
-              </a:solidFill>
-              <a:latin typeface="Arial"/>
-            </a:endParaRPr>
-          </a:p>
-        </p:txBody>
-      </p:sp>
+            <a:endParaRPr b="0" lang="sk-SK" sz="2000" spc="-1" strike="noStrike">
+              <a:latin typeface="Arial"/>
+            </a:endParaRPr>
+          </a:p>
+        </p:txBody>
+      </p:sp>
+      <p:pic>
+        <p:nvPicPr>
+          <p:cNvPr id="85" name="" descr=""/>
+          <p:cNvPicPr/>
+          <p:nvPr/>
+        </p:nvPicPr>
+        <p:blipFill>
+          <a:blip r:embed="rId1"/>
+          <a:stretch/>
+        </p:blipFill>
+        <p:spPr>
+          <a:xfrm>
+            <a:off x="3612240" y="1079640"/>
+            <a:ext cx="2854800" cy="3599640"/>
+          </a:xfrm>
+          <a:prstGeom prst="rect">
+            <a:avLst/>
+          </a:prstGeom>
+          <a:ln w="0">
+            <a:noFill/>
+          </a:ln>
+        </p:spPr>
+      </p:pic>
     </p:spTree>
   </p:cSld>
   <mc:AlternateContent>
@@ -4819,7 +4122,7 @@
       </p:grpSpPr>
       <p:sp>
         <p:nvSpPr>
-          <p:cNvPr id="89" name="PlaceHolder 1"/>
+          <p:cNvPr id="86" name="PlaceHolder 1"/>
           <p:cNvSpPr>
             <a:spLocks noGrp="1"/>
           </p:cNvSpPr>
@@ -4829,8 +4132,8 @@
         </p:nvSpPr>
         <p:spPr>
           <a:xfrm>
-            <a:off x="360000" y="180000"/>
-            <a:ext cx="9360000" cy="478080"/>
+            <a:off x="360000" y="135360"/>
+            <a:ext cx="9359640" cy="567000"/>
           </a:xfrm>
           <a:prstGeom prst="rect">
             <a:avLst/>
@@ -4849,239 +4152,47 @@
               <a:buNone/>
             </a:pPr>
             <a:r>
-              <a:rPr b="0" lang="en-US" sz="3300" spc="-1" strike="noStrike">
-                <a:solidFill>
-                  <a:srgbClr val="ffffff"/>
-                </a:solidFill>
+              <a:rPr b="0" lang="sk-SK" sz="2000" spc="-1" strike="noStrike">
                 <a:latin typeface="Arial"/>
               </a:rPr>
-              <a:t>Progress prace</a:t>
+              <a:t>Interactive Data Collection for Deep Learning Object Detectors</a:t>
             </a:r>
-            <a:endParaRPr b="0" lang="en-US" sz="3300" spc="-1" strike="noStrike">
-              <a:solidFill>
-                <a:srgbClr val="ffffff"/>
-              </a:solidFill>
-              <a:latin typeface="Arial"/>
-            </a:endParaRPr>
-          </a:p>
-        </p:txBody>
-      </p:sp>
-      <p:sp>
-        <p:nvSpPr>
-          <p:cNvPr id="90" name="PlaceHolder 2"/>
-          <p:cNvSpPr>
-            <a:spLocks noGrp="1"/>
-          </p:cNvSpPr>
-          <p:nvPr>
-            <p:ph/>
-          </p:nvPr>
-        </p:nvSpPr>
-        <p:spPr>
-          <a:xfrm>
-            <a:off x="360000" y="1080000"/>
-            <a:ext cx="9360000" cy="3600000"/>
-          </a:xfrm>
-          <a:prstGeom prst="rect">
-            <a:avLst/>
-          </a:prstGeom>
-          <a:noFill/>
-          <a:ln w="0">
-            <a:noFill/>
-          </a:ln>
-        </p:spPr>
-        <p:txBody>
-          <a:bodyPr lIns="0" rIns="0" tIns="0" bIns="0" anchor="t">
-            <a:noAutofit/>
-          </a:bodyPr>
-          <a:p>
-            <a:pPr marL="432000" indent="-324000">
-              <a:spcBef>
-                <a:spcPts val="1060"/>
-              </a:spcBef>
-              <a:buClr>
-                <a:srgbClr val="77caee"/>
-              </a:buClr>
-              <a:buSzPct val="45000"/>
-              <a:buFont typeface="Wingdings" charset="2"/>
-              <a:buChar char=""/>
-            </a:pPr>
+            <a:br/>
             <a:r>
-              <a:rPr b="0" lang="en-US" sz="2400" spc="-1" strike="noStrike">
-                <a:solidFill>
-                  <a:srgbClr val="009bdd"/>
-                </a:solidFill>
+              <a:rPr b="0" lang="sk-SK" sz="2000" spc="-1" strike="noStrike">
                 <a:latin typeface="Arial"/>
               </a:rPr>
-              <a:t>Vytvorenie templatu diplomovej práce a pridania zdrojov:</a:t>
+              <a:t>on Humanoid Robots</a:t>
             </a:r>
-            <a:endParaRPr b="0" lang="en-US" sz="2400" spc="-1" strike="noStrike">
-              <a:solidFill>
-                <a:srgbClr val="009bdd"/>
-              </a:solidFill>
-              <a:latin typeface="Arial"/>
-            </a:endParaRPr>
-          </a:p>
-          <a:p>
-            <a:pPr lvl="1" marL="864000" indent="-324000">
-              <a:spcBef>
-                <a:spcPts val="850"/>
-              </a:spcBef>
-              <a:buClr>
-                <a:srgbClr val="77caee"/>
-              </a:buClr>
-              <a:buSzPct val="45000"/>
-              <a:buFont typeface="Wingdings" charset="2"/>
-              <a:buChar char=""/>
-            </a:pPr>
-            <a:r>
-              <a:rPr b="0" lang="en-US" sz="2100" spc="-1" strike="noStrike">
-                <a:solidFill>
-                  <a:srgbClr val="009bdd"/>
-                </a:solidFill>
-                <a:latin typeface="Arial"/>
-              </a:rPr>
-              <a:t>https://github.com/NicolasOrsag/Visual-system-for-interaction-human-with-robot/tree/main/LaTex%20Text%20of%20thesis </a:t>
-            </a:r>
-            <a:endParaRPr b="0" lang="en-US" sz="2100" spc="-1" strike="noStrike">
-              <a:solidFill>
-                <a:srgbClr val="009bdd"/>
-              </a:solidFill>
-              <a:latin typeface="Arial"/>
-            </a:endParaRPr>
-          </a:p>
-          <a:p>
-            <a:pPr marL="432000" indent="-324000">
-              <a:spcBef>
-                <a:spcPts val="1060"/>
-              </a:spcBef>
-              <a:buClr>
-                <a:srgbClr val="77caee"/>
-              </a:buClr>
-              <a:buSzPct val="45000"/>
-              <a:buFont typeface="Wingdings" charset="2"/>
-              <a:buChar char=""/>
-            </a:pPr>
-            <a:r>
-              <a:rPr b="0" lang="en-US" sz="2400" spc="-1" strike="noStrike">
-                <a:solidFill>
-                  <a:srgbClr val="009bdd"/>
-                </a:solidFill>
-                <a:latin typeface="Arial"/>
-              </a:rPr>
-              <a:t>Poznámky z konzultácii: </a:t>
-            </a:r>
-            <a:endParaRPr b="0" lang="en-US" sz="2400" spc="-1" strike="noStrike">
-              <a:solidFill>
-                <a:srgbClr val="009bdd"/>
-              </a:solidFill>
-              <a:latin typeface="Arial"/>
-            </a:endParaRPr>
-          </a:p>
-          <a:p>
-            <a:pPr lvl="1" marL="864000" indent="-324000">
-              <a:spcBef>
-                <a:spcPts val="850"/>
-              </a:spcBef>
-              <a:buClr>
-                <a:srgbClr val="77caee"/>
-              </a:buClr>
-              <a:buSzPct val="45000"/>
-              <a:buFont typeface="Wingdings" charset="2"/>
-              <a:buChar char=""/>
-            </a:pPr>
-            <a:r>
-              <a:rPr b="0" lang="en-US" sz="2100" spc="-1" strike="noStrike">
-                <a:solidFill>
-                  <a:srgbClr val="009bdd"/>
-                </a:solidFill>
-                <a:latin typeface="Arial"/>
-              </a:rPr>
-              <a:t>https://github.com/NicolasOrsag/Visual-system-for-interaction-human-with-robot/tree/main/Documentation/Notes-from-consultations</a:t>
-            </a:r>
-            <a:endParaRPr b="0" lang="en-US" sz="2100" spc="-1" strike="noStrike">
-              <a:solidFill>
-                <a:srgbClr val="009bdd"/>
-              </a:solidFill>
-              <a:latin typeface="Arial"/>
-            </a:endParaRPr>
-          </a:p>
-          <a:p>
-            <a:pPr marL="432000" indent="-324000">
-              <a:spcBef>
-                <a:spcPts val="1060"/>
-              </a:spcBef>
-              <a:buClr>
-                <a:srgbClr val="77caee"/>
-              </a:buClr>
-              <a:buSzPct val="45000"/>
-              <a:buFont typeface="Wingdings" charset="2"/>
-              <a:buChar char=""/>
-            </a:pPr>
-            <a:r>
-              <a:rPr b="0" lang="en-US" sz="2400" spc="-1" strike="noStrike">
-                <a:solidFill>
-                  <a:srgbClr val="009bdd"/>
-                </a:solidFill>
-                <a:latin typeface="Arial"/>
-              </a:rPr>
-              <a:t>Inštalácia všetkých potrebných dependencies pre spojazdnenie online detection dema podľa:</a:t>
-            </a:r>
-            <a:endParaRPr b="0" lang="en-US" sz="2400" spc="-1" strike="noStrike">
-              <a:solidFill>
-                <a:srgbClr val="009bdd"/>
-              </a:solidFill>
-              <a:latin typeface="Arial"/>
-            </a:endParaRPr>
-          </a:p>
-          <a:p>
-            <a:pPr lvl="1" marL="864000" indent="-324000">
-              <a:spcBef>
-                <a:spcPts val="850"/>
-              </a:spcBef>
-              <a:buClr>
-                <a:srgbClr val="77caee"/>
-              </a:buClr>
-              <a:buSzPct val="45000"/>
-              <a:buFont typeface="Wingdings" charset="2"/>
-              <a:buChar char=""/>
-            </a:pPr>
-            <a:r>
-              <a:rPr b="0" lang="en-US" sz="2100" spc="-1" strike="noStrike">
-                <a:solidFill>
-                  <a:srgbClr val="009bdd"/>
-                </a:solidFill>
-                <a:latin typeface="Arial"/>
-              </a:rPr>
-              <a:t>https://github.com/robotology/online-detection-demo</a:t>
-            </a:r>
-            <a:endParaRPr b="0" lang="en-US" sz="2100" spc="-1" strike="noStrike">
-              <a:solidFill>
-                <a:srgbClr val="009bdd"/>
-              </a:solidFill>
-              <a:latin typeface="Arial"/>
-            </a:endParaRPr>
-          </a:p>
-          <a:p>
-            <a:pPr lvl="1" marL="864000" indent="-324000">
-              <a:spcBef>
-                <a:spcPts val="850"/>
-              </a:spcBef>
-              <a:buClr>
-                <a:srgbClr val="77caee"/>
-              </a:buClr>
-              <a:buSzPct val="45000"/>
-              <a:buFont typeface="Wingdings" charset="2"/>
-              <a:buChar char=""/>
-            </a:pPr>
-            <a:endParaRPr b="0" lang="en-US" sz="2100" spc="-1" strike="noStrike">
-              <a:solidFill>
-                <a:srgbClr val="009bdd"/>
-              </a:solidFill>
-              <a:latin typeface="Arial"/>
-            </a:endParaRPr>
-          </a:p>
-        </p:txBody>
-      </p:sp>
+            <a:endParaRPr b="0" lang="sk-SK" sz="2000" spc="-1" strike="noStrike">
+              <a:latin typeface="Arial"/>
+            </a:endParaRPr>
+          </a:p>
+        </p:txBody>
+      </p:sp>
+      <p:pic>
+        <p:nvPicPr>
+          <p:cNvPr id="87" name="" descr=""/>
+          <p:cNvPicPr/>
+          <p:nvPr/>
+        </p:nvPicPr>
+        <p:blipFill>
+          <a:blip r:embed="rId1"/>
+          <a:stretch/>
+        </p:blipFill>
+        <p:spPr>
+          <a:xfrm>
+            <a:off x="3645000" y="1079640"/>
+            <a:ext cx="2789280" cy="3599640"/>
+          </a:xfrm>
+          <a:prstGeom prst="rect">
+            <a:avLst/>
+          </a:prstGeom>
+          <a:ln w="0">
+            <a:noFill/>
+          </a:ln>
+        </p:spPr>
+      </p:pic>
     </p:spTree>
   </p:cSld>
   <mc:AlternateContent>
@@ -5114,7 +4225,7 @@
       </p:grpSpPr>
       <p:sp>
         <p:nvSpPr>
-          <p:cNvPr id="91" name="PlaceHolder 1"/>
+          <p:cNvPr id="88" name="PlaceHolder 1"/>
           <p:cNvSpPr>
             <a:spLocks noGrp="1"/>
           </p:cNvSpPr>
@@ -5125,7 +4236,7 @@
         <p:spPr>
           <a:xfrm>
             <a:off x="360000" y="180000"/>
-            <a:ext cx="9360000" cy="478080"/>
+            <a:ext cx="9359640" cy="477720"/>
           </a:xfrm>
           <a:prstGeom prst="rect">
             <a:avLst/>
@@ -5141,6 +4252,9 @@
           </a:bodyPr>
           <a:p>
             <a:pPr algn="ctr">
+              <a:lnSpc>
+                <a:spcPct val="100000"/>
+              </a:lnSpc>
               <a:buNone/>
             </a:pPr>
             <a:r>
@@ -5152,10 +4266,7 @@
               </a:rPr>
               <a:t>On-line Detection Application</a:t>
             </a:r>
-            <a:endParaRPr b="0" lang="en-US" sz="3300" spc="-1" strike="noStrike">
-              <a:solidFill>
-                <a:srgbClr val="ffffff"/>
-              </a:solidFill>
+            <a:endParaRPr b="0" lang="sk-SK" sz="3300" spc="-1" strike="noStrike">
               <a:latin typeface="Arial"/>
             </a:endParaRPr>
           </a:p>
@@ -5163,7 +4274,7 @@
       </p:sp>
       <p:pic>
         <p:nvPicPr>
-          <p:cNvPr id="92" name="" descr=""/>
+          <p:cNvPr id="89" name="" descr=""/>
           <p:cNvPicPr/>
           <p:nvPr/>
         </p:nvPicPr>
@@ -5174,7 +4285,7 @@
         <p:spPr>
           <a:xfrm>
             <a:off x="2176200" y="1080000"/>
-            <a:ext cx="5727240" cy="3600000"/>
+            <a:ext cx="5726880" cy="3599640"/>
           </a:xfrm>
           <a:prstGeom prst="rect">
             <a:avLst/>
@@ -5216,7 +4327,7 @@
       </p:grpSpPr>
       <p:sp>
         <p:nvSpPr>
-          <p:cNvPr id="93" name="PlaceHolder 1"/>
+          <p:cNvPr id="90" name="PlaceHolder 1"/>
           <p:cNvSpPr>
             <a:spLocks noGrp="1"/>
           </p:cNvSpPr>
@@ -5227,7 +4338,7 @@
         <p:spPr>
           <a:xfrm>
             <a:off x="360000" y="180000"/>
-            <a:ext cx="9360000" cy="478080"/>
+            <a:ext cx="9359640" cy="477720"/>
           </a:xfrm>
           <a:prstGeom prst="rect">
             <a:avLst/>
@@ -5243,6 +4354,9 @@
           </a:bodyPr>
           <a:p>
             <a:pPr algn="ctr">
+              <a:lnSpc>
+                <a:spcPct val="100000"/>
+              </a:lnSpc>
               <a:buNone/>
             </a:pPr>
             <a:r>
@@ -5254,10 +4368,7 @@
               </a:rPr>
               <a:t>Installed dependencies</a:t>
             </a:r>
-            <a:endParaRPr b="0" lang="en-US" sz="3300" spc="-1" strike="noStrike">
-              <a:solidFill>
-                <a:srgbClr val="ffffff"/>
-              </a:solidFill>
+            <a:endParaRPr b="0" lang="sk-SK" sz="3300" spc="-1" strike="noStrike">
               <a:latin typeface="Arial"/>
             </a:endParaRPr>
           </a:p>
@@ -5265,7 +4376,7 @@
       </p:sp>
       <p:pic>
         <p:nvPicPr>
-          <p:cNvPr id="94" name="" descr=""/>
+          <p:cNvPr id="91" name="" descr=""/>
           <p:cNvPicPr/>
           <p:nvPr/>
         </p:nvPicPr>
@@ -5276,7 +4387,7 @@
         <p:spPr>
           <a:xfrm>
             <a:off x="1512360" y="1080000"/>
-            <a:ext cx="7055280" cy="3600000"/>
+            <a:ext cx="7054920" cy="3599640"/>
           </a:xfrm>
           <a:prstGeom prst="rect">
             <a:avLst/>
@@ -5318,7 +4429,7 @@
       </p:grpSpPr>
       <p:sp>
         <p:nvSpPr>
-          <p:cNvPr id="95" name="PlaceHolder 1"/>
+          <p:cNvPr id="92" name="PlaceHolder 1"/>
           <p:cNvSpPr>
             <a:spLocks noGrp="1"/>
           </p:cNvSpPr>
@@ -5329,7 +4440,7 @@
         <p:spPr>
           <a:xfrm>
             <a:off x="360000" y="180000"/>
-            <a:ext cx="9360000" cy="478080"/>
+            <a:ext cx="9359640" cy="477720"/>
           </a:xfrm>
           <a:prstGeom prst="rect">
             <a:avLst/>
@@ -5347,10 +4458,7 @@
             <a:pPr algn="ctr">
               <a:buNone/>
             </a:pPr>
-            <a:endParaRPr b="0" lang="en-US" sz="3300" spc="-1" strike="noStrike">
-              <a:solidFill>
-                <a:srgbClr val="ffffff"/>
-              </a:solidFill>
+            <a:endParaRPr b="0" lang="sk-SK" sz="4400" spc="-1" strike="noStrike">
               <a:latin typeface="Arial"/>
             </a:endParaRPr>
           </a:p>
@@ -5358,7 +4466,7 @@
       </p:sp>
       <p:pic>
         <p:nvPicPr>
-          <p:cNvPr id="96" name="" descr=""/>
+          <p:cNvPr id="93" name="" descr=""/>
           <p:cNvPicPr/>
           <p:nvPr/>
         </p:nvPicPr>
@@ -5369,7 +4477,7 @@
         <p:spPr>
           <a:xfrm>
             <a:off x="360000" y="1267560"/>
-            <a:ext cx="9360000" cy="3224520"/>
+            <a:ext cx="9359640" cy="3224160"/>
           </a:xfrm>
           <a:prstGeom prst="rect">
             <a:avLst/>
@@ -5411,7 +4519,7 @@
       </p:grpSpPr>
       <p:sp>
         <p:nvSpPr>
-          <p:cNvPr id="97" name="PlaceHolder 1"/>
+          <p:cNvPr id="94" name="PlaceHolder 1"/>
           <p:cNvSpPr>
             <a:spLocks noGrp="1"/>
           </p:cNvSpPr>
@@ -5422,7 +4530,7 @@
         <p:spPr>
           <a:xfrm>
             <a:off x="360000" y="180000"/>
-            <a:ext cx="9360000" cy="478080"/>
+            <a:ext cx="9359640" cy="477720"/>
           </a:xfrm>
           <a:prstGeom prst="rect">
             <a:avLst/>
@@ -5438,6 +4546,9 @@
           </a:bodyPr>
           <a:p>
             <a:pPr algn="ctr">
+              <a:lnSpc>
+                <a:spcPct val="100000"/>
+              </a:lnSpc>
               <a:buNone/>
             </a:pPr>
             <a:r>
@@ -5449,10 +4560,7 @@
               </a:rPr>
               <a:t>Ukážka detection_main.m </a:t>
             </a:r>
-            <a:endParaRPr b="0" lang="en-US" sz="3300" spc="-1" strike="noStrike">
-              <a:solidFill>
-                <a:srgbClr val="ffffff"/>
-              </a:solidFill>
+            <a:endParaRPr b="0" lang="sk-SK" sz="3300" spc="-1" strike="noStrike">
               <a:latin typeface="Arial"/>
             </a:endParaRPr>
           </a:p>
@@ -5460,7 +4568,7 @@
       </p:sp>
       <p:pic>
         <p:nvPicPr>
-          <p:cNvPr id="98" name="" descr=""/>
+          <p:cNvPr id="95" name="" descr=""/>
           <p:cNvPicPr/>
           <p:nvPr/>
         </p:nvPicPr>
@@ -5471,7 +4579,7 @@
         <p:spPr>
           <a:xfrm>
             <a:off x="1839960" y="1080000"/>
-            <a:ext cx="6400080" cy="3600000"/>
+            <a:ext cx="6399720" cy="3599640"/>
           </a:xfrm>
           <a:prstGeom prst="rect">
             <a:avLst/>
